--- a/Automatic generation of enemies in a survival computer.pptx
+++ b/Automatic generation of enemies in a survival computer.pptx
@@ -114,6 +114,11 @@
       </a:defRPr>
     </a:lvl9pPr>
   </p:defaultTextStyle>
+  <p:extLst>
+    <p:ext uri="{EFAFB233-063F-42B5-8137-9DF3F51BA10A}">
+      <p15:sldGuideLst xmlns:p15="http://schemas.microsoft.com/office/powerpoint/2012/main"/>
+    </p:ext>
+  </p:extLst>
 </p:presentation>
 </file>
 
@@ -199,7 +204,7 @@
           <a:p>
             <a:fld id="{3B13C0CE-8568-47D5-8765-B8AF7A6CC498}" type="datetimeFigureOut">
               <a:rPr lang="en-GB" smtClean="0"/>
-              <a:t>14/05/2025</a:t>
+              <a:t>15/05/2025</a:t>
             </a:fld>
             <a:endParaRPr lang="en-GB"/>
           </a:p>
@@ -597,7 +602,7 @@
           <a:p>
             <a:fld id="{765DD83F-F767-49C7-AE72-4989084E74D3}" type="datetime1">
               <a:rPr lang="en-GB" smtClean="0"/>
-              <a:t>14/05/2025</a:t>
+              <a:t>15/05/2025</a:t>
             </a:fld>
             <a:endParaRPr lang="en-GB"/>
           </a:p>
@@ -767,7 +772,7 @@
           <a:p>
             <a:fld id="{A57279BA-6395-4CF8-B933-E626DE41657A}" type="datetime1">
               <a:rPr lang="en-GB" smtClean="0"/>
-              <a:t>14/05/2025</a:t>
+              <a:t>15/05/2025</a:t>
             </a:fld>
             <a:endParaRPr lang="en-GB"/>
           </a:p>
@@ -947,7 +952,7 @@
           <a:p>
             <a:fld id="{04CEBB75-21C5-4015-B740-55A5BFE28114}" type="datetime1">
               <a:rPr lang="en-GB" smtClean="0"/>
-              <a:t>14/05/2025</a:t>
+              <a:t>15/05/2025</a:t>
             </a:fld>
             <a:endParaRPr lang="en-GB"/>
           </a:p>
@@ -1117,7 +1122,7 @@
           <a:p>
             <a:fld id="{10102704-832A-4FBE-B9FF-B302EB3ABFE5}" type="datetime1">
               <a:rPr lang="en-GB" smtClean="0"/>
-              <a:t>14/05/2025</a:t>
+              <a:t>15/05/2025</a:t>
             </a:fld>
             <a:endParaRPr lang="en-GB"/>
           </a:p>
@@ -1363,7 +1368,7 @@
           <a:p>
             <a:fld id="{08884B04-6758-42EC-94E6-FA9FC275813B}" type="datetime1">
               <a:rPr lang="en-GB" smtClean="0"/>
-              <a:t>14/05/2025</a:t>
+              <a:t>15/05/2025</a:t>
             </a:fld>
             <a:endParaRPr lang="en-GB"/>
           </a:p>
@@ -1595,7 +1600,7 @@
           <a:p>
             <a:fld id="{446BB76D-0AEE-48DE-A3D3-4111935B9270}" type="datetime1">
               <a:rPr lang="en-GB" smtClean="0"/>
-              <a:t>14/05/2025</a:t>
+              <a:t>15/05/2025</a:t>
             </a:fld>
             <a:endParaRPr lang="en-GB"/>
           </a:p>
@@ -1962,7 +1967,7 @@
           <a:p>
             <a:fld id="{3BE8B0E8-BDF0-4E78-BC4F-1588487650AA}" type="datetime1">
               <a:rPr lang="en-GB" smtClean="0"/>
-              <a:t>14/05/2025</a:t>
+              <a:t>15/05/2025</a:t>
             </a:fld>
             <a:endParaRPr lang="en-GB"/>
           </a:p>
@@ -2080,7 +2085,7 @@
           <a:p>
             <a:fld id="{E48D0821-2334-4BD9-A13A-961BB1BD32A6}" type="datetime1">
               <a:rPr lang="en-GB" smtClean="0"/>
-              <a:t>14/05/2025</a:t>
+              <a:t>15/05/2025</a:t>
             </a:fld>
             <a:endParaRPr lang="en-GB"/>
           </a:p>
@@ -2175,7 +2180,7 @@
           <a:p>
             <a:fld id="{0482179B-2B23-4480-9F15-46773B2744A9}" type="datetime1">
               <a:rPr lang="en-GB" smtClean="0"/>
-              <a:t>14/05/2025</a:t>
+              <a:t>15/05/2025</a:t>
             </a:fld>
             <a:endParaRPr lang="en-GB"/>
           </a:p>
@@ -2452,7 +2457,7 @@
           <a:p>
             <a:fld id="{4D52EF4B-E539-41AF-8695-39857FBDF555}" type="datetime1">
               <a:rPr lang="en-GB" smtClean="0"/>
-              <a:t>14/05/2025</a:t>
+              <a:t>15/05/2025</a:t>
             </a:fld>
             <a:endParaRPr lang="en-GB"/>
           </a:p>
@@ -2709,7 +2714,7 @@
           <a:p>
             <a:fld id="{2ED37E51-B121-4BBB-962C-BCB7820A9D54}" type="datetime1">
               <a:rPr lang="en-GB" smtClean="0"/>
-              <a:t>14/05/2025</a:t>
+              <a:t>15/05/2025</a:t>
             </a:fld>
             <a:endParaRPr lang="en-GB"/>
           </a:p>
@@ -2922,7 +2927,7 @@
           <a:p>
             <a:fld id="{8E511E3D-89A6-4FB1-8118-54057B69764E}" type="datetime1">
               <a:rPr lang="en-GB" smtClean="0"/>
-              <a:t>14/05/2025</a:t>
+              <a:t>15/05/2025</a:t>
             </a:fld>
             <a:endParaRPr lang="en-GB"/>
           </a:p>
@@ -3986,6 +3991,23 @@
             <a:r>
               <a:rPr lang="sk-SK" dirty="0"/>
               <a:t>Engine related</a:t>
+            </a:r>
+            <a:endParaRPr lang="en-GB" dirty="0"/>
+          </a:p>
+          <a:p>
+            <a:r>
+              <a:rPr lang="en-GB" dirty="0"/>
+              <a:t>Ability to set initial Behaviour Trees</a:t>
+            </a:r>
+          </a:p>
+          <a:p>
+            <a:r>
+              <a:rPr lang="en-GB" dirty="0"/>
+              <a:t>Flexible </a:t>
+            </a:r>
+            <a:r>
+              <a:rPr lang="en-GB"/>
+              <a:t>fitness evaluation</a:t>
             </a:r>
             <a:endParaRPr lang="en-GB" dirty="0"/>
           </a:p>

--- a/Automatic generation of enemies in a survival computer.pptx
+++ b/Automatic generation of enemies in a survival computer.pptx
@@ -5,17 +5,22 @@
     <p:sldMasterId id="2147483660" r:id="rId1"/>
   </p:sldMasterIdLst>
   <p:notesMasterIdLst>
-    <p:notesMasterId r:id="rId10"/>
+    <p:notesMasterId r:id="rId15"/>
   </p:notesMasterIdLst>
   <p:sldIdLst>
     <p:sldId id="256" r:id="rId2"/>
-    <p:sldId id="257" r:id="rId3"/>
-    <p:sldId id="261" r:id="rId4"/>
-    <p:sldId id="262" r:id="rId5"/>
-    <p:sldId id="263" r:id="rId6"/>
-    <p:sldId id="260" r:id="rId7"/>
-    <p:sldId id="258" r:id="rId8"/>
-    <p:sldId id="259" r:id="rId9"/>
+    <p:sldId id="264" r:id="rId3"/>
+    <p:sldId id="257" r:id="rId4"/>
+    <p:sldId id="265" r:id="rId5"/>
+    <p:sldId id="261" r:id="rId6"/>
+    <p:sldId id="262" r:id="rId7"/>
+    <p:sldId id="260" r:id="rId8"/>
+    <p:sldId id="266" r:id="rId9"/>
+    <p:sldId id="259" r:id="rId10"/>
+    <p:sldId id="269" r:id="rId11"/>
+    <p:sldId id="258" r:id="rId12"/>
+    <p:sldId id="268" r:id="rId13"/>
+    <p:sldId id="267" r:id="rId14"/>
   </p:sldIdLst>
   <p:sldSz cx="12192000" cy="6858000"/>
   <p:notesSz cx="6858000" cy="9144000"/>
@@ -3430,6 +3435,666 @@
 </p:sld>
 </file>
 
+<file path=ppt/slides/slide10.xml><?xml version="1.0" encoding="utf-8"?>
+<p:sld xmlns:a="http://schemas.openxmlformats.org/drawingml/2006/main" xmlns:r="http://schemas.openxmlformats.org/officeDocument/2006/relationships" xmlns:p="http://schemas.openxmlformats.org/presentationml/2006/main">
+  <p:cSld>
+    <p:spTree>
+      <p:nvGrpSpPr>
+        <p:cNvPr id="1" name="">
+          <a:extLst>
+            <a:ext uri="{FF2B5EF4-FFF2-40B4-BE49-F238E27FC236}">
+              <a16:creationId xmlns:a16="http://schemas.microsoft.com/office/drawing/2014/main" id="{65F72296-25B6-7B58-DBA7-2F98013120F7}"/>
+            </a:ext>
+          </a:extLst>
+        </p:cNvPr>
+        <p:cNvGrpSpPr/>
+        <p:nvPr/>
+      </p:nvGrpSpPr>
+      <p:grpSpPr>
+        <a:xfrm>
+          <a:off x="0" y="0"/>
+          <a:ext cx="0" cy="0"/>
+          <a:chOff x="0" y="0"/>
+          <a:chExt cx="0" cy="0"/>
+        </a:xfrm>
+      </p:grpSpPr>
+      <p:sp>
+        <p:nvSpPr>
+          <p:cNvPr id="2" name="Title 1">
+            <a:extLst>
+              <a:ext uri="{FF2B5EF4-FFF2-40B4-BE49-F238E27FC236}">
+                <a16:creationId xmlns:a16="http://schemas.microsoft.com/office/drawing/2014/main" id="{79A241A9-2A9D-FDDB-0121-63EA82914397}"/>
+              </a:ext>
+            </a:extLst>
+          </p:cNvPr>
+          <p:cNvSpPr>
+            <a:spLocks noGrp="1"/>
+          </p:cNvSpPr>
+          <p:nvPr>
+            <p:ph type="title"/>
+          </p:nvPr>
+        </p:nvSpPr>
+        <p:spPr/>
+        <p:txBody>
+          <a:bodyPr/>
+          <a:lstStyle/>
+          <a:p>
+            <a:r>
+              <a:rPr lang="sk-SK" dirty="0"/>
+              <a:t>Testing</a:t>
+            </a:r>
+            <a:r>
+              <a:rPr lang="en-GB" dirty="0"/>
+              <a:t> of capabilities and limitations of engine</a:t>
+            </a:r>
+          </a:p>
+        </p:txBody>
+      </p:sp>
+      <p:sp>
+        <p:nvSpPr>
+          <p:cNvPr id="3" name="Content Placeholder 2">
+            <a:extLst>
+              <a:ext uri="{FF2B5EF4-FFF2-40B4-BE49-F238E27FC236}">
+                <a16:creationId xmlns:a16="http://schemas.microsoft.com/office/drawing/2014/main" id="{F6CD59C7-4B56-1E79-9306-C742B17AB114}"/>
+              </a:ext>
+            </a:extLst>
+          </p:cNvPr>
+          <p:cNvSpPr>
+            <a:spLocks noGrp="1"/>
+          </p:cNvSpPr>
+          <p:nvPr>
+            <p:ph idx="1"/>
+          </p:nvPr>
+        </p:nvSpPr>
+        <p:spPr/>
+        <p:txBody>
+          <a:bodyPr>
+            <a:normAutofit fontScale="85000" lnSpcReduction="20000"/>
+          </a:bodyPr>
+          <a:lstStyle/>
+          <a:p>
+            <a:r>
+              <a:rPr lang="sk-SK" dirty="0"/>
+              <a:t>Created pawn class</a:t>
+            </a:r>
+            <a:r>
+              <a:rPr lang="en-GB" dirty="0"/>
+              <a:t>, which generates and assigns itself a behaviour tree which it runs</a:t>
+            </a:r>
+          </a:p>
+          <a:p>
+            <a:r>
+              <a:rPr lang="sk-SK" dirty="0"/>
+              <a:t>Created behaviour tree node</a:t>
+            </a:r>
+            <a:r>
+              <a:rPr lang="en-GB" dirty="0"/>
+              <a:t>, that </a:t>
+            </a:r>
+          </a:p>
+          <a:p>
+            <a:pPr lvl="1"/>
+            <a:r>
+              <a:rPr lang="en-GB" dirty="0"/>
+              <a:t>Generates a random movement vector</a:t>
+            </a:r>
+          </a:p>
+          <a:p>
+            <a:pPr lvl="1"/>
+            <a:r>
+              <a:rPr lang="en-GB" dirty="0"/>
+              <a:t>Calculates a potential new position by applying the vector to the current position</a:t>
+            </a:r>
+          </a:p>
+          <a:p>
+            <a:pPr lvl="1"/>
+            <a:r>
+              <a:rPr lang="en-GB" dirty="0"/>
+              <a:t>If the new position is closer to the origin than the current one:</a:t>
+            </a:r>
+          </a:p>
+          <a:p>
+            <a:pPr lvl="2"/>
+            <a:r>
+              <a:rPr lang="en-GB" dirty="0"/>
+              <a:t>Moves the pawn to the new position</a:t>
+            </a:r>
+          </a:p>
+          <a:p>
+            <a:pPr lvl="1"/>
+            <a:r>
+              <a:rPr lang="en-GB" dirty="0"/>
+              <a:t>Otherwise:</a:t>
+            </a:r>
+          </a:p>
+          <a:p>
+            <a:pPr lvl="2"/>
+            <a:r>
+              <a:rPr lang="en-GB" dirty="0"/>
+              <a:t>The pawn remains at its current position</a:t>
+            </a:r>
+          </a:p>
+          <a:p>
+            <a:pPr lvl="1"/>
+            <a:r>
+              <a:rPr lang="en-GB" dirty="0"/>
+              <a:t>Increments the step counter regardless of movement</a:t>
+            </a:r>
+          </a:p>
+          <a:p>
+            <a:r>
+              <a:rPr lang="sk-SK" dirty="0"/>
+              <a:t>Created management class</a:t>
+            </a:r>
+            <a:r>
+              <a:rPr lang="en-GB" dirty="0"/>
+              <a:t>, which controls </a:t>
+            </a:r>
+          </a:p>
+          <a:p>
+            <a:pPr lvl="1"/>
+            <a:r>
+              <a:rPr lang="en-GB" dirty="0"/>
+              <a:t>Spawning pawns</a:t>
+            </a:r>
+          </a:p>
+          <a:p>
+            <a:pPr lvl="1"/>
+            <a:r>
+              <a:rPr lang="en-GB" dirty="0"/>
+              <a:t>Fitness calculation – calculated as average of steps required for the pawn to get to origin</a:t>
+            </a:r>
+          </a:p>
+          <a:p>
+            <a:pPr lvl="1"/>
+            <a:r>
+              <a:rPr lang="en-GB" dirty="0"/>
+              <a:t>Simulation restart</a:t>
+            </a:r>
+          </a:p>
+          <a:p>
+            <a:pPr lvl="1"/>
+            <a:r>
+              <a:rPr lang="en-GB" dirty="0"/>
+              <a:t>Simulation speed</a:t>
+            </a:r>
+            <a:endParaRPr lang="sk-SK" dirty="0"/>
+          </a:p>
+          <a:p>
+            <a:pPr lvl="1"/>
+            <a:endParaRPr lang="sk-SK" dirty="0"/>
+          </a:p>
+        </p:txBody>
+      </p:sp>
+      <p:sp>
+        <p:nvSpPr>
+          <p:cNvPr id="4" name="Slide Number Placeholder 3">
+            <a:extLst>
+              <a:ext uri="{FF2B5EF4-FFF2-40B4-BE49-F238E27FC236}">
+                <a16:creationId xmlns:a16="http://schemas.microsoft.com/office/drawing/2014/main" id="{0990F088-CDDD-7652-EF53-D1612A37FBB6}"/>
+              </a:ext>
+            </a:extLst>
+          </p:cNvPr>
+          <p:cNvSpPr>
+            <a:spLocks noGrp="1"/>
+          </p:cNvSpPr>
+          <p:nvPr>
+            <p:ph type="sldNum" sz="quarter" idx="12"/>
+          </p:nvPr>
+        </p:nvSpPr>
+        <p:spPr/>
+        <p:txBody>
+          <a:bodyPr/>
+          <a:lstStyle/>
+          <a:p>
+            <a:fld id="{2A8C9C26-CCAF-4861-B76D-8E4A34D0C515}" type="slidenum">
+              <a:rPr lang="en-GB" smtClean="0"/>
+              <a:t>10</a:t>
+            </a:fld>
+            <a:endParaRPr lang="en-GB"/>
+          </a:p>
+        </p:txBody>
+      </p:sp>
+    </p:spTree>
+    <p:extLst>
+      <p:ext uri="{BB962C8B-B14F-4D97-AF65-F5344CB8AC3E}">
+        <p14:creationId xmlns:p14="http://schemas.microsoft.com/office/powerpoint/2010/main" val="2441847214"/>
+      </p:ext>
+    </p:extLst>
+  </p:cSld>
+  <p:clrMapOvr>
+    <a:masterClrMapping/>
+  </p:clrMapOvr>
+</p:sld>
+</file>
+
+<file path=ppt/slides/slide11.xml><?xml version="1.0" encoding="utf-8"?>
+<p:sld xmlns:a="http://schemas.openxmlformats.org/drawingml/2006/main" xmlns:r="http://schemas.openxmlformats.org/officeDocument/2006/relationships" xmlns:p="http://schemas.openxmlformats.org/presentationml/2006/main">
+  <p:cSld>
+    <p:spTree>
+      <p:nvGrpSpPr>
+        <p:cNvPr id="1" name=""/>
+        <p:cNvGrpSpPr/>
+        <p:nvPr/>
+      </p:nvGrpSpPr>
+      <p:grpSpPr>
+        <a:xfrm>
+          <a:off x="0" y="0"/>
+          <a:ext cx="0" cy="0"/>
+          <a:chOff x="0" y="0"/>
+          <a:chExt cx="0" cy="0"/>
+        </a:xfrm>
+      </p:grpSpPr>
+      <p:sp>
+        <p:nvSpPr>
+          <p:cNvPr id="2" name="Title 1">
+            <a:extLst>
+              <a:ext uri="{FF2B5EF4-FFF2-40B4-BE49-F238E27FC236}">
+                <a16:creationId xmlns:a16="http://schemas.microsoft.com/office/drawing/2014/main" id="{AA4ACEC3-4C9C-CFFB-A319-337EFE38C1FE}"/>
+              </a:ext>
+            </a:extLst>
+          </p:cNvPr>
+          <p:cNvSpPr>
+            <a:spLocks noGrp="1"/>
+          </p:cNvSpPr>
+          <p:nvPr>
+            <p:ph type="title"/>
+          </p:nvPr>
+        </p:nvSpPr>
+        <p:spPr/>
+        <p:txBody>
+          <a:bodyPr/>
+          <a:lstStyle/>
+          <a:p>
+            <a:r>
+              <a:rPr lang="en-GB" dirty="0"/>
+              <a:t>Project setup</a:t>
+            </a:r>
+          </a:p>
+        </p:txBody>
+      </p:sp>
+      <p:sp>
+        <p:nvSpPr>
+          <p:cNvPr id="3" name="Content Placeholder 2">
+            <a:extLst>
+              <a:ext uri="{FF2B5EF4-FFF2-40B4-BE49-F238E27FC236}">
+                <a16:creationId xmlns:a16="http://schemas.microsoft.com/office/drawing/2014/main" id="{CC54DE4D-64EF-F9F3-1A78-15077789BA36}"/>
+              </a:ext>
+            </a:extLst>
+          </p:cNvPr>
+          <p:cNvSpPr>
+            <a:spLocks noGrp="1"/>
+          </p:cNvSpPr>
+          <p:nvPr>
+            <p:ph idx="1"/>
+          </p:nvPr>
+        </p:nvSpPr>
+        <p:spPr/>
+        <p:txBody>
+          <a:bodyPr/>
+          <a:lstStyle/>
+          <a:p>
+            <a:r>
+              <a:rPr lang="sk-SK" dirty="0"/>
+              <a:t>Set up Unreal Engine v 5.5.4</a:t>
+            </a:r>
+          </a:p>
+          <a:p>
+            <a:r>
+              <a:rPr lang="sk-SK" dirty="0"/>
+              <a:t>Set up required Visual studio dependencies</a:t>
+            </a:r>
+          </a:p>
+          <a:p>
+            <a:r>
+              <a:rPr lang="sk-SK" dirty="0"/>
+              <a:t>Fought with compilation errors and broken compilation</a:t>
+            </a:r>
+          </a:p>
+          <a:p>
+            <a:r>
+              <a:rPr lang="sk-SK" dirty="0"/>
+              <a:t>Set up editor and preferences</a:t>
+            </a:r>
+          </a:p>
+          <a:p>
+            <a:r>
+              <a:rPr lang="sk-SK" dirty="0"/>
+              <a:t>Set up Rider to work with Unreal Engine</a:t>
+            </a:r>
+          </a:p>
+          <a:p>
+            <a:endParaRPr lang="en-GB" dirty="0"/>
+          </a:p>
+        </p:txBody>
+      </p:sp>
+      <p:sp>
+        <p:nvSpPr>
+          <p:cNvPr id="4" name="Slide Number Placeholder 3">
+            <a:extLst>
+              <a:ext uri="{FF2B5EF4-FFF2-40B4-BE49-F238E27FC236}">
+                <a16:creationId xmlns:a16="http://schemas.microsoft.com/office/drawing/2014/main" id="{E8BE6535-9C84-8DCE-1404-3178515657E4}"/>
+              </a:ext>
+            </a:extLst>
+          </p:cNvPr>
+          <p:cNvSpPr>
+            <a:spLocks noGrp="1"/>
+          </p:cNvSpPr>
+          <p:nvPr>
+            <p:ph type="sldNum" sz="quarter" idx="12"/>
+          </p:nvPr>
+        </p:nvSpPr>
+        <p:spPr/>
+        <p:txBody>
+          <a:bodyPr/>
+          <a:lstStyle/>
+          <a:p>
+            <a:fld id="{2A8C9C26-CCAF-4861-B76D-8E4A34D0C515}" type="slidenum">
+              <a:rPr lang="en-GB" smtClean="0"/>
+              <a:t>11</a:t>
+            </a:fld>
+            <a:endParaRPr lang="en-GB"/>
+          </a:p>
+        </p:txBody>
+      </p:sp>
+    </p:spTree>
+    <p:extLst>
+      <p:ext uri="{BB962C8B-B14F-4D97-AF65-F5344CB8AC3E}">
+        <p14:creationId xmlns:p14="http://schemas.microsoft.com/office/powerpoint/2010/main" val="1760301963"/>
+      </p:ext>
+    </p:extLst>
+  </p:cSld>
+  <p:clrMapOvr>
+    <a:masterClrMapping/>
+  </p:clrMapOvr>
+</p:sld>
+</file>
+
+<file path=ppt/slides/slide12.xml><?xml version="1.0" encoding="utf-8"?>
+<p:sld xmlns:a="http://schemas.openxmlformats.org/drawingml/2006/main" xmlns:r="http://schemas.openxmlformats.org/officeDocument/2006/relationships" xmlns:p="http://schemas.openxmlformats.org/presentationml/2006/main">
+  <p:cSld>
+    <p:spTree>
+      <p:nvGrpSpPr>
+        <p:cNvPr id="1" name=""/>
+        <p:cNvGrpSpPr/>
+        <p:nvPr/>
+      </p:nvGrpSpPr>
+      <p:grpSpPr>
+        <a:xfrm>
+          <a:off x="0" y="0"/>
+          <a:ext cx="0" cy="0"/>
+          <a:chOff x="0" y="0"/>
+          <a:chExt cx="0" cy="0"/>
+        </a:xfrm>
+      </p:grpSpPr>
+      <p:sp>
+        <p:nvSpPr>
+          <p:cNvPr id="2" name="Title 1">
+            <a:extLst>
+              <a:ext uri="{FF2B5EF4-FFF2-40B4-BE49-F238E27FC236}">
+                <a16:creationId xmlns:a16="http://schemas.microsoft.com/office/drawing/2014/main" id="{6F5A025A-C294-1AC0-13D2-48DDC337D7D4}"/>
+              </a:ext>
+            </a:extLst>
+          </p:cNvPr>
+          <p:cNvSpPr>
+            <a:spLocks noGrp="1"/>
+          </p:cNvSpPr>
+          <p:nvPr>
+            <p:ph type="title"/>
+          </p:nvPr>
+        </p:nvSpPr>
+        <p:spPr/>
+        <p:txBody>
+          <a:bodyPr/>
+          <a:lstStyle/>
+          <a:p>
+            <a:r>
+              <a:rPr lang="en-GB" dirty="0"/>
+              <a:t>Key Takeaways</a:t>
+            </a:r>
+          </a:p>
+        </p:txBody>
+      </p:sp>
+      <p:sp>
+        <p:nvSpPr>
+          <p:cNvPr id="3" name="Content Placeholder 2">
+            <a:extLst>
+              <a:ext uri="{FF2B5EF4-FFF2-40B4-BE49-F238E27FC236}">
+                <a16:creationId xmlns:a16="http://schemas.microsoft.com/office/drawing/2014/main" id="{12C4FFDC-CD93-D86F-5A29-A3635B4F8BA0}"/>
+              </a:ext>
+            </a:extLst>
+          </p:cNvPr>
+          <p:cNvSpPr>
+            <a:spLocks noGrp="1"/>
+          </p:cNvSpPr>
+          <p:nvPr>
+            <p:ph idx="1"/>
+          </p:nvPr>
+        </p:nvSpPr>
+        <p:spPr/>
+        <p:txBody>
+          <a:bodyPr>
+            <a:normAutofit fontScale="92500"/>
+          </a:bodyPr>
+          <a:lstStyle/>
+          <a:p>
+            <a:r>
+              <a:rPr lang="en-GB" dirty="0"/>
+              <a:t>Multi-objective evolutionary methods lead to more interesting and strategic enemy behaviour.</a:t>
+            </a:r>
+          </a:p>
+          <a:p>
+            <a:r>
+              <a:rPr lang="en-GB" dirty="0"/>
+              <a:t>Fitness evaluation must consider multiple performance indicators (e.g., teamwork, survival time).</a:t>
+            </a:r>
+          </a:p>
+          <a:p>
+            <a:r>
+              <a:rPr lang="en-GB" dirty="0"/>
+              <a:t>To promote cooperation, it is possible to use average of group fitness</a:t>
+            </a:r>
+          </a:p>
+          <a:p>
+            <a:r>
+              <a:rPr lang="en-GB" dirty="0"/>
+              <a:t>There are existing metrics to estimate user gameplay satisfaction</a:t>
+            </a:r>
+          </a:p>
+          <a:p>
+            <a:r>
+              <a:rPr lang="en-GB" dirty="0"/>
+              <a:t>Pareto fronts are interesting and promising method of choosing parents for next generation </a:t>
+            </a:r>
+          </a:p>
+          <a:p>
+            <a:r>
+              <a:rPr lang="en-GB" dirty="0"/>
+              <a:t>Unreal Engine is capable of supporting complex AI development with the right setup.</a:t>
+            </a:r>
+          </a:p>
+        </p:txBody>
+      </p:sp>
+      <p:sp>
+        <p:nvSpPr>
+          <p:cNvPr id="4" name="Slide Number Placeholder 3">
+            <a:extLst>
+              <a:ext uri="{FF2B5EF4-FFF2-40B4-BE49-F238E27FC236}">
+                <a16:creationId xmlns:a16="http://schemas.microsoft.com/office/drawing/2014/main" id="{4EC2903F-1BFE-BF9F-2D93-4EE4EB713E4B}"/>
+              </a:ext>
+            </a:extLst>
+          </p:cNvPr>
+          <p:cNvSpPr>
+            <a:spLocks noGrp="1"/>
+          </p:cNvSpPr>
+          <p:nvPr>
+            <p:ph type="sldNum" sz="quarter" idx="12"/>
+          </p:nvPr>
+        </p:nvSpPr>
+        <p:spPr/>
+        <p:txBody>
+          <a:bodyPr/>
+          <a:lstStyle/>
+          <a:p>
+            <a:fld id="{2A8C9C26-CCAF-4861-B76D-8E4A34D0C515}" type="slidenum">
+              <a:rPr lang="en-GB" smtClean="0"/>
+              <a:t>12</a:t>
+            </a:fld>
+            <a:endParaRPr lang="en-GB"/>
+          </a:p>
+        </p:txBody>
+      </p:sp>
+    </p:spTree>
+    <p:extLst>
+      <p:ext uri="{BB962C8B-B14F-4D97-AF65-F5344CB8AC3E}">
+        <p14:creationId xmlns:p14="http://schemas.microsoft.com/office/powerpoint/2010/main" val="2873910489"/>
+      </p:ext>
+    </p:extLst>
+  </p:cSld>
+  <p:clrMapOvr>
+    <a:masterClrMapping/>
+  </p:clrMapOvr>
+</p:sld>
+</file>
+
+<file path=ppt/slides/slide13.xml><?xml version="1.0" encoding="utf-8"?>
+<p:sld xmlns:a="http://schemas.openxmlformats.org/drawingml/2006/main" xmlns:r="http://schemas.openxmlformats.org/officeDocument/2006/relationships" xmlns:p="http://schemas.openxmlformats.org/presentationml/2006/main">
+  <p:cSld>
+    <p:spTree>
+      <p:nvGrpSpPr>
+        <p:cNvPr id="1" name=""/>
+        <p:cNvGrpSpPr/>
+        <p:nvPr/>
+      </p:nvGrpSpPr>
+      <p:grpSpPr>
+        <a:xfrm>
+          <a:off x="0" y="0"/>
+          <a:ext cx="0" cy="0"/>
+          <a:chOff x="0" y="0"/>
+          <a:chExt cx="0" cy="0"/>
+        </a:xfrm>
+      </p:grpSpPr>
+      <p:sp>
+        <p:nvSpPr>
+          <p:cNvPr id="2" name="Title 1">
+            <a:extLst>
+              <a:ext uri="{FF2B5EF4-FFF2-40B4-BE49-F238E27FC236}">
+                <a16:creationId xmlns:a16="http://schemas.microsoft.com/office/drawing/2014/main" id="{13BFAB45-D408-A1E7-E5C1-37B3D4AB02C1}"/>
+              </a:ext>
+            </a:extLst>
+          </p:cNvPr>
+          <p:cNvSpPr>
+            <a:spLocks noGrp="1"/>
+          </p:cNvSpPr>
+          <p:nvPr>
+            <p:ph type="title"/>
+          </p:nvPr>
+        </p:nvSpPr>
+        <p:spPr/>
+        <p:txBody>
+          <a:bodyPr/>
+          <a:lstStyle/>
+          <a:p>
+            <a:r>
+              <a:rPr lang="en-GB" dirty="0"/>
+              <a:t>Future work</a:t>
+            </a:r>
+          </a:p>
+        </p:txBody>
+      </p:sp>
+      <p:sp>
+        <p:nvSpPr>
+          <p:cNvPr id="3" name="Content Placeholder 2">
+            <a:extLst>
+              <a:ext uri="{FF2B5EF4-FFF2-40B4-BE49-F238E27FC236}">
+                <a16:creationId xmlns:a16="http://schemas.microsoft.com/office/drawing/2014/main" id="{C8C92220-2F9C-1C1B-0612-81E34E86A886}"/>
+              </a:ext>
+            </a:extLst>
+          </p:cNvPr>
+          <p:cNvSpPr>
+            <a:spLocks noGrp="1"/>
+          </p:cNvSpPr>
+          <p:nvPr>
+            <p:ph idx="1"/>
+          </p:nvPr>
+        </p:nvSpPr>
+        <p:spPr/>
+        <p:txBody>
+          <a:bodyPr>
+            <a:normAutofit/>
+          </a:bodyPr>
+          <a:lstStyle/>
+          <a:p>
+            <a:r>
+              <a:rPr lang="en-GB" dirty="0"/>
+              <a:t>Implement genetic algorithm</a:t>
+            </a:r>
+          </a:p>
+          <a:p>
+            <a:r>
+              <a:rPr lang="en-GB" dirty="0"/>
+              <a:t>Create deterministic player bot for training</a:t>
+            </a:r>
+          </a:p>
+          <a:p>
+            <a:r>
+              <a:rPr lang="en-GB" dirty="0"/>
+              <a:t>Create multiple new task nodes and decorators</a:t>
+            </a:r>
+          </a:p>
+          <a:p>
+            <a:r>
+              <a:rPr lang="en-GB" dirty="0"/>
+              <a:t>Experiment with results</a:t>
+            </a:r>
+          </a:p>
+          <a:p>
+            <a:endParaRPr lang="en-GB" dirty="0"/>
+          </a:p>
+        </p:txBody>
+      </p:sp>
+      <p:sp>
+        <p:nvSpPr>
+          <p:cNvPr id="4" name="Slide Number Placeholder 3">
+            <a:extLst>
+              <a:ext uri="{FF2B5EF4-FFF2-40B4-BE49-F238E27FC236}">
+                <a16:creationId xmlns:a16="http://schemas.microsoft.com/office/drawing/2014/main" id="{FCC41CAF-83FF-7BA1-7619-1533C8AC1069}"/>
+              </a:ext>
+            </a:extLst>
+          </p:cNvPr>
+          <p:cNvSpPr>
+            <a:spLocks noGrp="1"/>
+          </p:cNvSpPr>
+          <p:nvPr>
+            <p:ph type="sldNum" sz="quarter" idx="12"/>
+          </p:nvPr>
+        </p:nvSpPr>
+        <p:spPr/>
+        <p:txBody>
+          <a:bodyPr/>
+          <a:lstStyle/>
+          <a:p>
+            <a:fld id="{2A8C9C26-CCAF-4861-B76D-8E4A34D0C515}" type="slidenum">
+              <a:rPr lang="en-GB" smtClean="0"/>
+              <a:t>13</a:t>
+            </a:fld>
+            <a:endParaRPr lang="en-GB"/>
+          </a:p>
+        </p:txBody>
+      </p:sp>
+    </p:spTree>
+    <p:extLst>
+      <p:ext uri="{BB962C8B-B14F-4D97-AF65-F5344CB8AC3E}">
+        <p14:creationId xmlns:p14="http://schemas.microsoft.com/office/powerpoint/2010/main" val="672714811"/>
+      </p:ext>
+    </p:extLst>
+  </p:cSld>
+  <p:clrMapOvr>
+    <a:masterClrMapping/>
+  </p:clrMapOvr>
+</p:sld>
+</file>
+
 <file path=ppt/slides/slide2.xml><?xml version="1.0" encoding="utf-8"?>
 <p:sld xmlns:a="http://schemas.openxmlformats.org/drawingml/2006/main" xmlns:r="http://schemas.openxmlformats.org/officeDocument/2006/relationships" xmlns:p="http://schemas.openxmlformats.org/presentationml/2006/main">
   <p:cSld>
@@ -3452,7 +4117,7 @@
           <p:cNvPr id="2" name="Title 1">
             <a:extLst>
               <a:ext uri="{FF2B5EF4-FFF2-40B4-BE49-F238E27FC236}">
-                <a16:creationId xmlns:a16="http://schemas.microsoft.com/office/drawing/2014/main" id="{A32EBE26-3EA1-F972-2C38-14151D08642A}"/>
+                <a16:creationId xmlns:a16="http://schemas.microsoft.com/office/drawing/2014/main" id="{B7BCCB72-CEE3-9F0D-E3C2-E20FE604048C}"/>
               </a:ext>
             </a:extLst>
           </p:cNvPr>
@@ -3469,10 +4134,9 @@
           <a:lstStyle/>
           <a:p>
             <a:r>
-              <a:rPr lang="sk-SK" dirty="0"/>
-              <a:t>Papers and Articles</a:t>
-            </a:r>
-            <a:endParaRPr lang="en-GB" dirty="0"/>
+              <a:rPr lang="en-GB" dirty="0"/>
+              <a:t>Thesis goals</a:t>
+            </a:r>
           </a:p>
         </p:txBody>
       </p:sp>
@@ -3481,7 +4145,7 @@
           <p:cNvPr id="3" name="Content Placeholder 2">
             <a:extLst>
               <a:ext uri="{FF2B5EF4-FFF2-40B4-BE49-F238E27FC236}">
-                <a16:creationId xmlns:a16="http://schemas.microsoft.com/office/drawing/2014/main" id="{BD7F6EC9-867C-4F72-B57E-0596D5D2A588}"/>
+                <a16:creationId xmlns:a16="http://schemas.microsoft.com/office/drawing/2014/main" id="{A607737A-6D1F-9546-40EE-5957D084A75A}"/>
               </a:ext>
             </a:extLst>
           </p:cNvPr>
@@ -3499,80 +4163,25 @@
           <a:p>
             <a:r>
               <a:rPr lang="en-GB" dirty="0"/>
-              <a:t>Constructing Complex NPC </a:t>
-            </a:r>
-            <a:r>
-              <a:rPr lang="en-GB" dirty="0" err="1"/>
-              <a:t>Behavior</a:t>
-            </a:r>
+              <a:t>Design and implement algorithm for generating enemy behaviour in a survival game.</a:t>
+            </a:r>
+          </a:p>
+          <a:p>
             <a:r>
               <a:rPr lang="en-GB" dirty="0"/>
-              <a:t> via Multi-Objective </a:t>
-            </a:r>
-            <a:r>
-              <a:rPr lang="en-GB" dirty="0" err="1"/>
-              <a:t>Neuroevolution</a:t>
-            </a:r>
-            <a:endParaRPr lang="sk-SK" dirty="0"/>
+              <a:t>Generated behaviour should vary</a:t>
+            </a:r>
           </a:p>
           <a:p>
             <a:r>
               <a:rPr lang="en-GB" dirty="0"/>
-              <a:t>Procedural Enemy Generation through</a:t>
-            </a:r>
-            <a:r>
-              <a:rPr lang="sk-SK" dirty="0"/>
-              <a:t> </a:t>
-            </a:r>
+              <a:t>Representation should be comprehensible and adjustable</a:t>
+            </a:r>
+          </a:p>
+          <a:p>
             <a:r>
               <a:rPr lang="en-GB" dirty="0"/>
-              <a:t>Parallel Evolutionary Algorithm</a:t>
-            </a:r>
-            <a:endParaRPr lang="sk-SK" dirty="0"/>
-          </a:p>
-          <a:p>
-            <a:r>
-              <a:rPr lang="en-GB" dirty="0" err="1"/>
-              <a:t>EvolvingBehavior</a:t>
-            </a:r>
-            <a:r>
-              <a:rPr lang="en-GB" dirty="0"/>
-              <a:t>: Towards Co-Creative Evolution of </a:t>
-            </a:r>
-            <a:r>
-              <a:rPr lang="en-GB" dirty="0" err="1"/>
-              <a:t>Behavior</a:t>
-            </a:r>
-            <a:r>
-              <a:rPr lang="sk-SK" dirty="0"/>
-              <a:t> </a:t>
-            </a:r>
-            <a:r>
-              <a:rPr lang="en-GB" dirty="0"/>
-              <a:t>Trees for Game NPCs</a:t>
-            </a:r>
-            <a:endParaRPr lang="sk-SK" dirty="0"/>
-          </a:p>
-          <a:p>
-            <a:r>
-              <a:rPr lang="en-GB" dirty="0"/>
-              <a:t>AI in Computer Games: Generating Interesting</a:t>
-            </a:r>
-            <a:r>
-              <a:rPr lang="sk-SK" dirty="0"/>
-              <a:t> </a:t>
-            </a:r>
-            <a:r>
-              <a:rPr lang="en-GB" dirty="0"/>
-              <a:t>Interactive Opponents by the use of</a:t>
-            </a:r>
-            <a:r>
-              <a:rPr lang="sk-SK" dirty="0"/>
-              <a:t> </a:t>
-            </a:r>
-            <a:r>
-              <a:rPr lang="en-GB" dirty="0"/>
-              <a:t>Evolutionary Computation</a:t>
+              <a:t>Experimentally test and evaluate the algorithm</a:t>
             </a:r>
           </a:p>
         </p:txBody>
@@ -3582,7 +4191,7 @@
           <p:cNvPr id="4" name="Slide Number Placeholder 3">
             <a:extLst>
               <a:ext uri="{FF2B5EF4-FFF2-40B4-BE49-F238E27FC236}">
-                <a16:creationId xmlns:a16="http://schemas.microsoft.com/office/drawing/2014/main" id="{04CEF3D1-AB52-4743-3AA0-F55B770AFBE5}"/>
+                <a16:creationId xmlns:a16="http://schemas.microsoft.com/office/drawing/2014/main" id="{C18A4BC6-B2A0-7700-CFE1-AB61D46FACF9}"/>
               </a:ext>
             </a:extLst>
           </p:cNvPr>
@@ -3609,7 +4218,7 @@
     </p:spTree>
     <p:extLst>
       <p:ext uri="{BB962C8B-B14F-4D97-AF65-F5344CB8AC3E}">
-        <p14:creationId xmlns:p14="http://schemas.microsoft.com/office/powerpoint/2010/main" val="3553948913"/>
+        <p14:creationId xmlns:p14="http://schemas.microsoft.com/office/powerpoint/2010/main" val="569755640"/>
       </p:ext>
     </p:extLst>
   </p:cSld>
@@ -3641,7 +4250,7 @@
           <p:cNvPr id="2" name="Title 1">
             <a:extLst>
               <a:ext uri="{FF2B5EF4-FFF2-40B4-BE49-F238E27FC236}">
-                <a16:creationId xmlns:a16="http://schemas.microsoft.com/office/drawing/2014/main" id="{2D3D970C-2EFD-88CF-1258-D33D33BCD1C2}"/>
+                <a16:creationId xmlns:a16="http://schemas.microsoft.com/office/drawing/2014/main" id="{A32EBE26-3EA1-F972-2C38-14151D08642A}"/>
               </a:ext>
             </a:extLst>
           </p:cNvPr>
@@ -3654,31 +4263,14 @@
         </p:nvSpPr>
         <p:spPr/>
         <p:txBody>
-          <a:bodyPr>
-            <a:noAutofit/>
-          </a:bodyPr>
-          <a:lstStyle/>
-          <a:p>
-            <a:r>
-              <a:rPr lang="en-GB" sz="3200" dirty="0"/>
-              <a:t>Constructing Complex NPC </a:t>
-            </a:r>
-            <a:r>
-              <a:rPr lang="en-GB" sz="3200" dirty="0" err="1"/>
-              <a:t>Behavior</a:t>
-            </a:r>
-            <a:r>
-              <a:rPr lang="en-GB" sz="3200" dirty="0"/>
-              <a:t> via Multi-Objective </a:t>
-            </a:r>
-            <a:r>
-              <a:rPr lang="en-GB" sz="3200" dirty="0" err="1"/>
-              <a:t>Neuroevolution</a:t>
-            </a:r>
-            <a:br>
-              <a:rPr lang="sk-SK" sz="3200" dirty="0"/>
-            </a:br>
-            <a:endParaRPr lang="en-GB" sz="3200" dirty="0"/>
+          <a:bodyPr/>
+          <a:lstStyle/>
+          <a:p>
+            <a:r>
+              <a:rPr lang="sk-SK" dirty="0"/>
+              <a:t>Papers and Articles</a:t>
+            </a:r>
+            <a:endParaRPr lang="en-GB" dirty="0"/>
           </a:p>
         </p:txBody>
       </p:sp>
@@ -3687,7 +4279,7 @@
           <p:cNvPr id="3" name="Content Placeholder 2">
             <a:extLst>
               <a:ext uri="{FF2B5EF4-FFF2-40B4-BE49-F238E27FC236}">
-                <a16:creationId xmlns:a16="http://schemas.microsoft.com/office/drawing/2014/main" id="{29AABF47-4A60-82EA-F726-08BB64E15AAA}"/>
+                <a16:creationId xmlns:a16="http://schemas.microsoft.com/office/drawing/2014/main" id="{BD7F6EC9-867C-4F72-B57E-0596D5D2A588}"/>
               </a:ext>
             </a:extLst>
           </p:cNvPr>
@@ -3700,32 +4292,73 @@
         </p:nvSpPr>
         <p:spPr/>
         <p:txBody>
-          <a:bodyPr/>
-          <a:lstStyle/>
-          <a:p>
-            <a:r>
-              <a:rPr lang="sk-SK" dirty="0"/>
-              <a:t>Interesting fitness objective calculation</a:t>
-            </a:r>
-          </a:p>
-          <a:p>
-            <a:r>
-              <a:rPr lang="sk-SK" dirty="0"/>
-              <a:t>Fitness calculation for groups</a:t>
-            </a:r>
-          </a:p>
-          <a:p>
-            <a:r>
-              <a:rPr lang="sk-SK" dirty="0"/>
-              <a:t>Multi-Objective Evolution using Pareto fronts</a:t>
-            </a:r>
-          </a:p>
-          <a:p>
-            <a:r>
-              <a:rPr lang="sk-SK" dirty="0"/>
-              <a:t>Adjustment of „player“ behaviour based on performance of bots</a:t>
-            </a:r>
-            <a:endParaRPr lang="en-GB" dirty="0"/>
+          <a:bodyPr>
+            <a:normAutofit/>
+          </a:bodyPr>
+          <a:lstStyle/>
+          <a:p>
+            <a:r>
+              <a:rPr lang="en-GB" sz="2400" dirty="0"/>
+              <a:t>Constructing Complex NPC </a:t>
+            </a:r>
+            <a:r>
+              <a:rPr lang="en-GB" sz="2400" dirty="0" err="1"/>
+              <a:t>Behavior</a:t>
+            </a:r>
+            <a:r>
+              <a:rPr lang="en-GB" sz="2400" dirty="0"/>
+              <a:t> via Multi-Objective Neuroevolution</a:t>
+            </a:r>
+            <a:r>
+              <a:rPr lang="en-GB" sz="2400" baseline="30000" dirty="0"/>
+              <a:t>1</a:t>
+            </a:r>
+            <a:endParaRPr lang="sk-SK" sz="2400" baseline="30000" dirty="0"/>
+          </a:p>
+          <a:p>
+            <a:r>
+              <a:rPr lang="en-GB" sz="2400" dirty="0"/>
+              <a:t>Procedural Enemy Generation through</a:t>
+            </a:r>
+            <a:r>
+              <a:rPr lang="sk-SK" sz="2400" dirty="0"/>
+              <a:t> </a:t>
+            </a:r>
+            <a:r>
+              <a:rPr lang="en-GB" sz="2400" dirty="0"/>
+              <a:t>Parallel Evolutionary Algorithm</a:t>
+            </a:r>
+            <a:r>
+              <a:rPr lang="en-GB" sz="2400" baseline="30000" dirty="0"/>
+              <a:t>2</a:t>
+            </a:r>
+            <a:endParaRPr lang="sk-SK" sz="2400" baseline="30000" dirty="0"/>
+          </a:p>
+          <a:p>
+            <a:r>
+              <a:rPr lang="en-GB" sz="2400" dirty="0"/>
+              <a:t>AI in Computer Games: Generating Interesting</a:t>
+            </a:r>
+            <a:r>
+              <a:rPr lang="sk-SK" sz="2400" dirty="0"/>
+              <a:t> </a:t>
+            </a:r>
+            <a:r>
+              <a:rPr lang="en-GB" sz="2400" dirty="0"/>
+              <a:t>Interactive Opponents by the use of</a:t>
+            </a:r>
+            <a:r>
+              <a:rPr lang="sk-SK" sz="2400" dirty="0"/>
+              <a:t> </a:t>
+            </a:r>
+            <a:r>
+              <a:rPr lang="en-GB" sz="2400" dirty="0"/>
+              <a:t>Evolutionary Computation</a:t>
+            </a:r>
+            <a:r>
+              <a:rPr lang="en-GB" sz="2400" baseline="30000" dirty="0"/>
+              <a:t>3</a:t>
+            </a:r>
           </a:p>
         </p:txBody>
       </p:sp>
@@ -3734,7 +4367,7 @@
           <p:cNvPr id="4" name="Slide Number Placeholder 3">
             <a:extLst>
               <a:ext uri="{FF2B5EF4-FFF2-40B4-BE49-F238E27FC236}">
-                <a16:creationId xmlns:a16="http://schemas.microsoft.com/office/drawing/2014/main" id="{7679EB5A-804D-4E4B-FEA0-208F16DD11C8}"/>
+                <a16:creationId xmlns:a16="http://schemas.microsoft.com/office/drawing/2014/main" id="{04CEF3D1-AB52-4743-3AA0-F55B770AFBE5}"/>
               </a:ext>
             </a:extLst>
           </p:cNvPr>
@@ -3758,10 +4391,134 @@
           </a:p>
         </p:txBody>
       </p:sp>
+      <p:sp>
+        <p:nvSpPr>
+          <p:cNvPr id="5" name="TextBox 4">
+            <a:extLst>
+              <a:ext uri="{FF2B5EF4-FFF2-40B4-BE49-F238E27FC236}">
+                <a16:creationId xmlns:a16="http://schemas.microsoft.com/office/drawing/2014/main" id="{416D199F-2F4A-FA49-CA3D-8FD099AB2913}"/>
+              </a:ext>
+            </a:extLst>
+          </p:cNvPr>
+          <p:cNvSpPr txBox="1"/>
+          <p:nvPr/>
+        </p:nvSpPr>
+        <p:spPr>
+          <a:xfrm>
+            <a:off x="993648" y="4644336"/>
+            <a:ext cx="8988552" cy="1061829"/>
+          </a:xfrm>
+          <a:prstGeom prst="rect">
+            <a:avLst/>
+          </a:prstGeom>
+          <a:noFill/>
+        </p:spPr>
+        <p:txBody>
+          <a:bodyPr wrap="square" rtlCol="0">
+            <a:spAutoFit/>
+          </a:bodyPr>
+          <a:lstStyle/>
+          <a:p>
+            <a:r>
+              <a:rPr lang="en-GB" sz="1400" baseline="30000" dirty="0"/>
+              <a:t>1</a:t>
+            </a:r>
+            <a:r>
+              <a:rPr lang="en-GB" sz="1400" dirty="0"/>
+              <a:t> </a:t>
+            </a:r>
+            <a:r>
+              <a:rPr lang="en-GB" sz="1050" dirty="0"/>
+              <a:t>Schrum, J., &amp; </a:t>
+            </a:r>
+            <a:r>
+              <a:rPr lang="en-GB" sz="1050" dirty="0" err="1"/>
+              <a:t>Miikkulainen</a:t>
+            </a:r>
+            <a:r>
+              <a:rPr lang="en-GB" sz="1050" dirty="0"/>
+              <a:t>, R. (2008). Constructing complex NPC </a:t>
+            </a:r>
+            <a:r>
+              <a:rPr lang="en-GB" sz="1050" dirty="0" err="1"/>
+              <a:t>behavior</a:t>
+            </a:r>
+            <a:r>
+              <a:rPr lang="en-GB" sz="1050" dirty="0"/>
+              <a:t> via multi-objective </a:t>
+            </a:r>
+            <a:r>
+              <a:rPr lang="en-GB" sz="1050" dirty="0" err="1"/>
+              <a:t>neuroevolution</a:t>
+            </a:r>
+            <a:r>
+              <a:rPr lang="en-GB" sz="1050" dirty="0"/>
+              <a:t>. In </a:t>
+            </a:r>
+            <a:r>
+              <a:rPr lang="en-GB" sz="1050" i="1" dirty="0"/>
+              <a:t>Proceedings of the AAAI conference on Artificial intelligence and interactive digital entertainment</a:t>
+            </a:r>
+            <a:r>
+              <a:rPr lang="en-GB" sz="1050" dirty="0"/>
+              <a:t> (Vol. 4, No. 1, pp. 108-113)</a:t>
+            </a:r>
+          </a:p>
+          <a:p>
+            <a:r>
+              <a:rPr lang="en-GB" sz="1400" baseline="30000" dirty="0"/>
+              <a:t>2</a:t>
+            </a:r>
+            <a:r>
+              <a:rPr lang="en-GB" sz="1400" dirty="0"/>
+              <a:t> </a:t>
+            </a:r>
+            <a:r>
+              <a:rPr lang="en-GB" sz="1050" dirty="0"/>
+              <a:t>Pereira, L. T., Viana, B. M., &amp; Toledo, C. F. (2021, October). Procedural enemy generation through parallel evolutionary algorithm. In </a:t>
+            </a:r>
+            <a:r>
+              <a:rPr lang="en-GB" sz="1050" i="1" dirty="0"/>
+              <a:t>2021 20th Brazilian Symposium on Computer Games and Digital Entertainment (</a:t>
+            </a:r>
+            <a:r>
+              <a:rPr lang="en-GB" sz="1050" i="1" dirty="0" err="1"/>
+              <a:t>SBGames</a:t>
+            </a:r>
+            <a:r>
+              <a:rPr lang="en-GB" sz="1050" i="1" dirty="0"/>
+              <a:t>)</a:t>
+            </a:r>
+            <a:r>
+              <a:rPr lang="en-GB" sz="1050" dirty="0"/>
+              <a:t> (pp. 126-135). IEEE</a:t>
+            </a:r>
+          </a:p>
+          <a:p>
+            <a:r>
+              <a:rPr lang="en-GB" sz="1400" baseline="30000" dirty="0"/>
+              <a:t>3</a:t>
+            </a:r>
+            <a:r>
+              <a:rPr lang="en-GB" sz="1400" dirty="0"/>
+              <a:t> </a:t>
+            </a:r>
+            <a:r>
+              <a:rPr lang="en-GB" sz="1050" dirty="0" err="1"/>
+              <a:t>Yannakakis</a:t>
+            </a:r>
+            <a:r>
+              <a:rPr lang="en-GB" sz="1050" dirty="0"/>
+              <a:t>, G. N. (2005). AI in computer games: generating interesting interactive opponents by the use of evolutionary computation</a:t>
+            </a:r>
+            <a:endParaRPr lang="en-GB" sz="1400" dirty="0"/>
+          </a:p>
+        </p:txBody>
+      </p:sp>
     </p:spTree>
     <p:extLst>
       <p:ext uri="{BB962C8B-B14F-4D97-AF65-F5344CB8AC3E}">
-        <p14:creationId xmlns:p14="http://schemas.microsoft.com/office/powerpoint/2010/main" val="108003128"/>
+        <p14:creationId xmlns:p14="http://schemas.microsoft.com/office/powerpoint/2010/main" val="3553948913"/>
       </p:ext>
     </p:extLst>
   </p:cSld>
@@ -3776,7 +4533,13 @@
   <p:cSld>
     <p:spTree>
       <p:nvGrpSpPr>
-        <p:cNvPr id="1" name=""/>
+        <p:cNvPr id="1" name="">
+          <a:extLst>
+            <a:ext uri="{FF2B5EF4-FFF2-40B4-BE49-F238E27FC236}">
+              <a16:creationId xmlns:a16="http://schemas.microsoft.com/office/drawing/2014/main" id="{87DDB712-F4CA-3AC2-3F7C-77043D31E52D}"/>
+            </a:ext>
+          </a:extLst>
+        </p:cNvPr>
         <p:cNvGrpSpPr/>
         <p:nvPr/>
       </p:nvGrpSpPr>
@@ -3793,7 +4556,7 @@
           <p:cNvPr id="2" name="Title 1">
             <a:extLst>
               <a:ext uri="{FF2B5EF4-FFF2-40B4-BE49-F238E27FC236}">
-                <a16:creationId xmlns:a16="http://schemas.microsoft.com/office/drawing/2014/main" id="{501E56E6-08CB-355C-D8A0-0883790F788D}"/>
+                <a16:creationId xmlns:a16="http://schemas.microsoft.com/office/drawing/2014/main" id="{F27AF174-271A-D891-64BA-85012C745068}"/>
               </a:ext>
             </a:extLst>
           </p:cNvPr>
@@ -3807,21 +4570,27 @@
         <p:spPr/>
         <p:txBody>
           <a:bodyPr>
-            <a:normAutofit/>
+            <a:noAutofit/>
           </a:bodyPr>
           <a:lstStyle/>
           <a:p>
             <a:r>
               <a:rPr lang="en-GB" sz="3200" dirty="0"/>
-              <a:t>Procedural Enemy Generation through</a:t>
-            </a:r>
-            <a:br>
+              <a:t>Constructing Complex NPC </a:t>
+            </a:r>
+            <a:r>
+              <a:rPr lang="en-GB" sz="3200" dirty="0" err="1"/>
+              <a:t>Behavior</a:t>
+            </a:r>
+            <a:r>
               <a:rPr lang="en-GB" sz="3200" dirty="0"/>
-            </a:br>
-            <a:r>
-              <a:rPr lang="en-GB" sz="3200" dirty="0"/>
-              <a:t>Parallel Evolutionary Algorithm</a:t>
-            </a:r>
+              <a:t> via Multi-Objective </a:t>
+            </a:r>
+            <a:r>
+              <a:rPr lang="en-GB" sz="3200" dirty="0" err="1"/>
+              <a:t>Neuroevolution</a:t>
+            </a:r>
+            <a:endParaRPr lang="en-GB" sz="3200" dirty="0"/>
           </a:p>
         </p:txBody>
       </p:sp>
@@ -3830,7 +4599,7 @@
           <p:cNvPr id="3" name="Content Placeholder 2">
             <a:extLst>
               <a:ext uri="{FF2B5EF4-FFF2-40B4-BE49-F238E27FC236}">
-                <a16:creationId xmlns:a16="http://schemas.microsoft.com/office/drawing/2014/main" id="{DA103E7A-556E-C6BC-7FA2-334803678E41}"/>
+                <a16:creationId xmlns:a16="http://schemas.microsoft.com/office/drawing/2014/main" id="{01BF5043-E676-403B-8413-A27AD2C6A83A}"/>
               </a:ext>
             </a:extLst>
           </p:cNvPr>
@@ -3843,18 +4612,48 @@
         </p:nvSpPr>
         <p:spPr/>
         <p:txBody>
-          <a:bodyPr/>
-          <a:lstStyle/>
-          <a:p>
-            <a:r>
-              <a:rPr lang="sk-SK" dirty="0"/>
-              <a:t>Mostly covers adjusting values of bots to adjust for difficulty</a:t>
-            </a:r>
-          </a:p>
-          <a:p>
-            <a:r>
-              <a:rPr lang="sk-SK" dirty="0"/>
-              <a:t>Spawns enemies by sum of their fitness</a:t>
+          <a:bodyPr>
+            <a:normAutofit fontScale="92500"/>
+          </a:bodyPr>
+          <a:lstStyle/>
+          <a:p>
+            <a:r>
+              <a:rPr lang="en-GB" dirty="0"/>
+              <a:t>The goal is to try applying multi-objective methods on NPC behaviour</a:t>
+            </a:r>
+          </a:p>
+          <a:p>
+            <a:r>
+              <a:rPr lang="en-GB" dirty="0"/>
+              <a:t>Uses neural network to control bot behaviour</a:t>
+            </a:r>
+          </a:p>
+          <a:p>
+            <a:r>
+              <a:rPr lang="en-GB" dirty="0"/>
+              <a:t>During training they evolved both structure and weights of connections</a:t>
+            </a:r>
+            <a:br>
+              <a:rPr lang="en-GB" dirty="0"/>
+            </a:br>
+            <a:endParaRPr lang="en-GB" dirty="0"/>
+          </a:p>
+          <a:p>
+            <a:r>
+              <a:rPr lang="en-GB" dirty="0"/>
+              <a:t>The NPCs managed to evolve complex strategies (baiting, retreating, flanking and coordinated attacks)</a:t>
+            </a:r>
+          </a:p>
+          <a:p>
+            <a:r>
+              <a:rPr lang="en-GB" dirty="0"/>
+              <a:t>Different roles emerged</a:t>
+            </a:r>
+          </a:p>
+          <a:p>
+            <a:r>
+              <a:rPr lang="en-GB" dirty="0"/>
+              <a:t>Produced more diverse and effective behaviour than single-objective methods</a:t>
             </a:r>
           </a:p>
           <a:p>
@@ -3867,7 +4666,7 @@
           <p:cNvPr id="4" name="Slide Number Placeholder 3">
             <a:extLst>
               <a:ext uri="{FF2B5EF4-FFF2-40B4-BE49-F238E27FC236}">
-                <a16:creationId xmlns:a16="http://schemas.microsoft.com/office/drawing/2014/main" id="{D7DFA216-39CF-044E-27AE-428BE4BB37B6}"/>
+                <a16:creationId xmlns:a16="http://schemas.microsoft.com/office/drawing/2014/main" id="{C3844BCB-B70B-1B51-46CF-B6B48F012C94}"/>
               </a:ext>
             </a:extLst>
           </p:cNvPr>
@@ -3894,7 +4693,7 @@
     </p:spTree>
     <p:extLst>
       <p:ext uri="{BB962C8B-B14F-4D97-AF65-F5344CB8AC3E}">
-        <p14:creationId xmlns:p14="http://schemas.microsoft.com/office/powerpoint/2010/main" val="3497472055"/>
+        <p14:creationId xmlns:p14="http://schemas.microsoft.com/office/powerpoint/2010/main" val="3860616828"/>
       </p:ext>
     </p:extLst>
   </p:cSld>
@@ -3926,7 +4725,7 @@
           <p:cNvPr id="2" name="Title 1">
             <a:extLst>
               <a:ext uri="{FF2B5EF4-FFF2-40B4-BE49-F238E27FC236}">
-                <a16:creationId xmlns:a16="http://schemas.microsoft.com/office/drawing/2014/main" id="{CEE01AA5-D045-3578-2686-07AC941496C6}"/>
+                <a16:creationId xmlns:a16="http://schemas.microsoft.com/office/drawing/2014/main" id="{2D3D970C-2EFD-88CF-1258-D33D33BCD1C2}"/>
               </a:ext>
             </a:extLst>
           </p:cNvPr>
@@ -3940,29 +4739,29 @@
         <p:spPr/>
         <p:txBody>
           <a:bodyPr>
-            <a:normAutofit/>
+            <a:noAutofit/>
           </a:bodyPr>
           <a:lstStyle/>
           <a:p>
             <a:r>
-              <a:rPr lang="en-GB" sz="3200" dirty="0" err="1"/>
-              <a:t>EvolvingBehavior</a:t>
-            </a:r>
-            <a:r>
               <a:rPr lang="en-GB" sz="3200" dirty="0"/>
-              <a:t>: Towards Co-Creative Evolution of </a:t>
+              <a:t>Constructing Complex NPC </a:t>
             </a:r>
             <a:r>
               <a:rPr lang="en-GB" sz="3200" dirty="0" err="1"/>
               <a:t>Behavior</a:t>
             </a:r>
             <a:r>
-              <a:rPr lang="sk-SK" sz="3200" dirty="0"/>
-              <a:t> </a:t>
-            </a:r>
-            <a:r>
               <a:rPr lang="en-GB" sz="3200" dirty="0"/>
-              <a:t>Trees for Game NPCs</a:t>
+              <a:t> via Multi-Objective </a:t>
+            </a:r>
+            <a:r>
+              <a:rPr lang="en-GB" sz="3200" dirty="0" err="1"/>
+              <a:t>Neuroevolution</a:t>
+            </a:r>
+            <a:r>
+              <a:rPr lang="en-GB" sz="3200" dirty="0"/>
+              <a:t> – Interesting parts</a:t>
             </a:r>
           </a:p>
         </p:txBody>
@@ -3972,7 +4771,7 @@
           <p:cNvPr id="3" name="Content Placeholder 2">
             <a:extLst>
               <a:ext uri="{FF2B5EF4-FFF2-40B4-BE49-F238E27FC236}">
-                <a16:creationId xmlns:a16="http://schemas.microsoft.com/office/drawing/2014/main" id="{87CBA5FE-A51B-BA7F-1976-FA752D993E28}"/>
+                <a16:creationId xmlns:a16="http://schemas.microsoft.com/office/drawing/2014/main" id="{29AABF47-4A60-82EA-F726-08BB64E15AAA}"/>
               </a:ext>
             </a:extLst>
           </p:cNvPr>
@@ -3985,31 +4784,81 @@
         </p:nvSpPr>
         <p:spPr/>
         <p:txBody>
-          <a:bodyPr/>
+          <a:bodyPr>
+            <a:normAutofit fontScale="85000" lnSpcReduction="20000"/>
+          </a:bodyPr>
           <a:lstStyle/>
           <a:p>
             <a:r>
               <a:rPr lang="sk-SK" dirty="0"/>
-              <a:t>Engine related</a:t>
+              <a:t>Interesting fitness objective calculation</a:t>
             </a:r>
             <a:endParaRPr lang="en-GB" dirty="0"/>
           </a:p>
           <a:p>
+            <a:pPr lvl="1"/>
             <a:r>
               <a:rPr lang="en-GB" dirty="0"/>
-              <a:t>Ability to set initial Behaviour Trees</a:t>
-            </a:r>
-          </a:p>
-          <a:p>
+              <a:t>Multiple weighted categories such as Attack assist, Damage received, Time alive</a:t>
+            </a:r>
+            <a:endParaRPr lang="sk-SK" dirty="0"/>
+          </a:p>
+          <a:p>
+            <a:r>
+              <a:rPr lang="sk-SK" dirty="0"/>
+              <a:t>Fitness calculation for groups</a:t>
+            </a:r>
+            <a:endParaRPr lang="en-GB" dirty="0"/>
+          </a:p>
+          <a:p>
+            <a:pPr lvl="1"/>
             <a:r>
               <a:rPr lang="en-GB" dirty="0"/>
-              <a:t>Flexible </a:t>
-            </a:r>
-            <a:r>
-              <a:rPr lang="en-GB"/>
-              <a:t>fitness evaluation</a:t>
+              <a:t>Using average group fitness ranked cooperative teams higher than those with individualistic bots</a:t>
+            </a:r>
+          </a:p>
+          <a:p>
+            <a:r>
+              <a:rPr lang="sk-SK" dirty="0"/>
+              <a:t>Multi-Objective Evolution using Pareto fronts</a:t>
             </a:r>
             <a:endParaRPr lang="en-GB" dirty="0"/>
+          </a:p>
+          <a:p>
+            <a:pPr lvl="1"/>
+            <a:r>
+              <a:rPr lang="en-GB" dirty="0"/>
+              <a:t>Pareto fronts promote behaviours that are best at balancing multiple objectives. Bots which excel at one objective, but struggle with others are overtaken by more universal bots</a:t>
+            </a:r>
+          </a:p>
+          <a:p>
+            <a:pPr lvl="1"/>
+            <a:r>
+              <a:rPr lang="en-GB" dirty="0"/>
+              <a:t>The parents of the next generation are picked from the non-dominated Pareto front</a:t>
+            </a:r>
+          </a:p>
+          <a:p>
+            <a:r>
+              <a:rPr lang="sk-SK" dirty="0"/>
+              <a:t>Adjustment of </a:t>
+            </a:r>
+            <a:r>
+              <a:rPr lang="en-GB" dirty="0"/>
+              <a:t>“player</a:t>
+            </a:r>
+            <a:r>
+              <a:rPr lang="sk-SK" dirty="0"/>
+              <a:t>“ behaviour based on performance of bots</a:t>
+            </a:r>
+            <a:endParaRPr lang="en-GB" dirty="0"/>
+          </a:p>
+          <a:p>
+            <a:pPr lvl="1"/>
+            <a:r>
+              <a:rPr lang="en-GB" dirty="0"/>
+              <a:t>Starting with simple “player” behaviour improving up to point of a regular gameplay with more complex actions allows to identify promising individuals, which are then further evolved by facing more complex behaviour</a:t>
+            </a:r>
           </a:p>
         </p:txBody>
       </p:sp>
@@ -4018,7 +4867,7 @@
           <p:cNvPr id="4" name="Slide Number Placeholder 3">
             <a:extLst>
               <a:ext uri="{FF2B5EF4-FFF2-40B4-BE49-F238E27FC236}">
-                <a16:creationId xmlns:a16="http://schemas.microsoft.com/office/drawing/2014/main" id="{43C24B7C-8816-D80F-B34F-B50A0A8C649D}"/>
+                <a16:creationId xmlns:a16="http://schemas.microsoft.com/office/drawing/2014/main" id="{7679EB5A-804D-4E4B-FEA0-208F16DD11C8}"/>
               </a:ext>
             </a:extLst>
           </p:cNvPr>
@@ -4045,7 +4894,7 @@
     </p:spTree>
     <p:extLst>
       <p:ext uri="{BB962C8B-B14F-4D97-AF65-F5344CB8AC3E}">
-        <p14:creationId xmlns:p14="http://schemas.microsoft.com/office/powerpoint/2010/main" val="3132486110"/>
+        <p14:creationId xmlns:p14="http://schemas.microsoft.com/office/powerpoint/2010/main" val="108003128"/>
       </p:ext>
     </p:extLst>
   </p:cSld>
@@ -4077,7 +4926,7 @@
           <p:cNvPr id="2" name="Title 1">
             <a:extLst>
               <a:ext uri="{FF2B5EF4-FFF2-40B4-BE49-F238E27FC236}">
-                <a16:creationId xmlns:a16="http://schemas.microsoft.com/office/drawing/2014/main" id="{C155D37D-5901-A2D7-EEB1-610D718B5A59}"/>
+                <a16:creationId xmlns:a16="http://schemas.microsoft.com/office/drawing/2014/main" id="{501E56E6-08CB-355C-D8A0-0883790F788D}"/>
               </a:ext>
             </a:extLst>
           </p:cNvPr>
@@ -4091,84 +4940,640 @@
         <p:spPr/>
         <p:txBody>
           <a:bodyPr>
-            <a:noAutofit/>
+            <a:normAutofit/>
           </a:bodyPr>
           <a:lstStyle/>
           <a:p>
             <a:r>
               <a:rPr lang="en-GB" sz="3200" dirty="0"/>
-              <a:t>AI in Computer Games: Generating Interesting</a:t>
-            </a:r>
-            <a:r>
-              <a:rPr lang="sk-SK" sz="3200" dirty="0"/>
-              <a:t> </a:t>
-            </a:r>
-            <a:r>
-              <a:rPr lang="en-GB" sz="3200" dirty="0"/>
-              <a:t>Interactive Opponents by the use of</a:t>
-            </a:r>
-            <a:r>
-              <a:rPr lang="sk-SK" sz="3200" dirty="0"/>
-              <a:t> </a:t>
-            </a:r>
-            <a:r>
-              <a:rPr lang="en-GB" sz="3200" dirty="0"/>
-              <a:t>Evolutionary Computation</a:t>
+              <a:t>Procedural Enemy Generation through</a:t>
             </a:r>
             <a:br>
               <a:rPr lang="en-GB" sz="3200" dirty="0"/>
             </a:br>
-            <a:endParaRPr lang="en-GB" sz="3200" dirty="0"/>
-          </a:p>
-        </p:txBody>
-      </p:sp>
-      <p:sp>
-        <p:nvSpPr>
-          <p:cNvPr id="3" name="Content Placeholder 2">
-            <a:extLst>
-              <a:ext uri="{FF2B5EF4-FFF2-40B4-BE49-F238E27FC236}">
-                <a16:creationId xmlns:a16="http://schemas.microsoft.com/office/drawing/2014/main" id="{4C80E883-BABB-E3D3-ED32-653F574869B1}"/>
-              </a:ext>
-            </a:extLst>
-          </p:cNvPr>
-          <p:cNvSpPr>
-            <a:spLocks noGrp="1"/>
-          </p:cNvSpPr>
-          <p:nvPr>
-            <p:ph idx="1"/>
-          </p:nvPr>
-        </p:nvSpPr>
-        <p:spPr/>
-        <p:txBody>
-          <a:bodyPr/>
-          <a:lstStyle/>
-          <a:p>
-            <a:r>
-              <a:rPr lang="sk-SK" dirty="0"/>
-              <a:t>Dissertation</a:t>
-            </a:r>
-          </a:p>
-          <a:p>
-            <a:r>
-              <a:rPr lang="sk-SK" dirty="0"/>
-              <a:t>Not fully read through just yet</a:t>
-            </a:r>
-          </a:p>
-          <a:p>
-            <a:r>
-              <a:rPr lang="sk-SK" dirty="0"/>
-              <a:t>Provides interesting metric calculations for Appropriate level of challenge, behaviour diversity, spatial diversity</a:t>
-            </a:r>
-            <a:endParaRPr lang="en-GB" dirty="0"/>
-          </a:p>
-        </p:txBody>
-      </p:sp>
+            <a:r>
+              <a:rPr lang="en-GB" sz="3200" dirty="0"/>
+              <a:t>Parallel Evolutionary Algorithm</a:t>
+            </a:r>
+          </a:p>
+        </p:txBody>
+      </p:sp>
+      <mc:AlternateContent xmlns:mc="http://schemas.openxmlformats.org/markup-compatibility/2006">
+        <mc:Choice xmlns:a14="http://schemas.microsoft.com/office/drawing/2010/main" Requires="a14">
+          <p:sp>
+            <p:nvSpPr>
+              <p:cNvPr id="3" name="Content Placeholder 2">
+                <a:extLst>
+                  <a:ext uri="{FF2B5EF4-FFF2-40B4-BE49-F238E27FC236}">
+                    <a16:creationId xmlns:a16="http://schemas.microsoft.com/office/drawing/2014/main" id="{DA103E7A-556E-C6BC-7FA2-334803678E41}"/>
+                  </a:ext>
+                </a:extLst>
+              </p:cNvPr>
+              <p:cNvSpPr>
+                <a:spLocks noGrp="1"/>
+              </p:cNvSpPr>
+              <p:nvPr>
+                <p:ph idx="1"/>
+              </p:nvPr>
+            </p:nvSpPr>
+            <p:spPr/>
+            <p:txBody>
+              <a:bodyPr>
+                <a:normAutofit fontScale="62500" lnSpcReduction="20000"/>
+              </a:bodyPr>
+              <a:lstStyle/>
+              <a:p>
+                <a:r>
+                  <a:rPr lang="en-GB" dirty="0"/>
+                  <a:t>The goal is to develop a method for automatically generating diverse and balanced enemy characters with regard to required difficulty</a:t>
+                </a:r>
+              </a:p>
+              <a:p>
+                <a:r>
+                  <a:rPr lang="en-GB" dirty="0"/>
+                  <a:t>The characteristic of enemies is based on their attributes (e.g. health, damage, movement speed, etc.), which are generated randomly from a set range, which are further adjusted during the evolution process</a:t>
+                </a:r>
+              </a:p>
+              <a:p>
+                <a:r>
+                  <a:rPr lang="en-GB" dirty="0"/>
+                  <a:t>Behaviour of enemies is based on behaviour trees, which are then evolved using parallel evolutionary algorithm</a:t>
+                </a:r>
+              </a:p>
+              <a:p>
+                <a:r>
+                  <a:rPr lang="sk-SK" dirty="0"/>
+                  <a:t>Mostly covers adjusting </a:t>
+                </a:r>
+                <a:r>
+                  <a:rPr lang="en-GB" dirty="0"/>
+                  <a:t>attributes</a:t>
+                </a:r>
+                <a:r>
+                  <a:rPr lang="sk-SK" dirty="0"/>
+                  <a:t> of bots</a:t>
+                </a:r>
+                <a:r>
+                  <a:rPr lang="en-GB" dirty="0"/>
+                  <a:t> (e.g. </a:t>
+                </a:r>
+                <a14:m>
+                  <m:oMath xmlns:m="http://schemas.openxmlformats.org/officeDocument/2006/math">
+                    <m:r>
+                      <a:rPr lang="en-GB" i="1" smtClean="0">
+                        <a:latin typeface="Cambria Math" panose="02040503050406030204" pitchFamily="18" charset="0"/>
+                      </a:rPr>
+                      <m:t>𝑎𝑡𝑡𝑎𝑐</m:t>
+                    </m:r>
+                    <m:r>
+                      <a:rPr lang="en-GB" b="0" i="1" smtClean="0">
+                        <a:latin typeface="Cambria Math" panose="02040503050406030204" pitchFamily="18" charset="0"/>
+                      </a:rPr>
+                      <m:t>𝑘</m:t>
+                    </m:r>
+                    <m:r>
+                      <a:rPr lang="en-GB" b="0" i="1" smtClean="0">
+                        <a:latin typeface="Cambria Math" panose="02040503050406030204" pitchFamily="18" charset="0"/>
+                      </a:rPr>
+                      <m:t>_</m:t>
+                    </m:r>
+                    <m:r>
+                      <a:rPr lang="en-GB" i="1">
+                        <a:latin typeface="Cambria Math" panose="02040503050406030204" pitchFamily="18" charset="0"/>
+                      </a:rPr>
+                      <m:t>𝑠𝑝𝑒𝑒𝑑</m:t>
+                    </m:r>
+                  </m:oMath>
+                </a14:m>
+                <a:r>
+                  <a:rPr lang="en-GB" dirty="0"/>
+                  <a:t> controls how fast can bot attack) </a:t>
+                </a:r>
+                <a:r>
+                  <a:rPr lang="sk-SK" dirty="0"/>
+                  <a:t>to adjust for </a:t>
+                </a:r>
+                <a:r>
+                  <a:rPr lang="en-GB" dirty="0"/>
+                  <a:t>gameplay </a:t>
+                </a:r>
+                <a:r>
+                  <a:rPr lang="sk-SK" dirty="0"/>
+                  <a:t>difficulty</a:t>
+                </a:r>
+                <a:endParaRPr lang="en-GB" dirty="0"/>
+              </a:p>
+              <a:p>
+                <a:r>
+                  <a:rPr lang="en-GB" dirty="0"/>
+                  <a:t>Calculates fitness from stats:</a:t>
+                </a:r>
+              </a:p>
+              <a:p>
+                <a:pPr lvl="1"/>
+                <a14:m>
+                  <m:oMath xmlns:m="http://schemas.openxmlformats.org/officeDocument/2006/math">
+                    <m:r>
+                      <a:rPr lang="sk-SK" i="1">
+                        <a:latin typeface="Cambria Math" panose="02040503050406030204" pitchFamily="18" charset="0"/>
+                      </a:rPr>
+                      <m:t> </m:t>
+                    </m:r>
+                    <m:sSub>
+                      <m:sSubPr>
+                        <m:ctrlPr>
+                          <a:rPr lang="sk-SK" i="1" smtClean="0">
+                            <a:latin typeface="Cambria Math" panose="02040503050406030204" pitchFamily="18" charset="0"/>
+                          </a:rPr>
+                        </m:ctrlPr>
+                      </m:sSubPr>
+                      <m:e>
+                        <m:r>
+                          <a:rPr lang="en-GB" b="0" i="1" smtClean="0">
+                            <a:latin typeface="Cambria Math" panose="02040503050406030204" pitchFamily="18" charset="0"/>
+                          </a:rPr>
+                          <m:t>𝑓</m:t>
+                        </m:r>
+                      </m:e>
+                      <m:sub>
+                        <m:r>
+                          <a:rPr lang="en-GB" b="0" i="1" smtClean="0">
+                            <a:latin typeface="Cambria Math" panose="02040503050406030204" pitchFamily="18" charset="0"/>
+                          </a:rPr>
+                          <m:t>𝑤</m:t>
+                        </m:r>
+                      </m:sub>
+                    </m:sSub>
+                    <m:r>
+                      <a:rPr lang="sk-SK" i="1">
+                        <a:latin typeface="Cambria Math" panose="02040503050406030204" pitchFamily="18" charset="0"/>
+                      </a:rPr>
+                      <m:t>= </m:t>
+                    </m:r>
+                    <m:r>
+                      <a:rPr lang="sk-SK" i="1">
+                        <a:latin typeface="Cambria Math" panose="02040503050406030204" pitchFamily="18" charset="0"/>
+                      </a:rPr>
+                      <m:t>𝑑𝑎𝑚𝑎𝑔𝑒</m:t>
+                    </m:r>
+                    <m:r>
+                      <a:rPr lang="sk-SK" i="1">
+                        <a:latin typeface="Cambria Math" panose="02040503050406030204" pitchFamily="18" charset="0"/>
+                      </a:rPr>
+                      <m:t> × </m:t>
+                    </m:r>
+                    <m:r>
+                      <a:rPr lang="sk-SK" i="1">
+                        <a:latin typeface="Cambria Math" panose="02040503050406030204" pitchFamily="18" charset="0"/>
+                      </a:rPr>
+                      <m:t>𝑤𝑒𝑎𝑝𝑜𝑛</m:t>
+                    </m:r>
+                    <m:r>
+                      <a:rPr lang="sk-SK" i="1">
+                        <a:latin typeface="Cambria Math" panose="02040503050406030204" pitchFamily="18" charset="0"/>
+                      </a:rPr>
+                      <m:t>,</m:t>
+                    </m:r>
+                  </m:oMath>
+                </a14:m>
+                <a:endParaRPr lang="en-GB" dirty="0"/>
+              </a:p>
+              <a:p>
+                <a:pPr lvl="1"/>
+                <a14:m>
+                  <m:oMath xmlns:m="http://schemas.openxmlformats.org/officeDocument/2006/math">
+                    <m:r>
+                      <a:rPr lang="en-GB" i="1">
+                        <a:latin typeface="Cambria Math" panose="02040503050406030204" pitchFamily="18" charset="0"/>
+                      </a:rPr>
+                      <m:t> </m:t>
+                    </m:r>
+                    <m:sSub>
+                      <m:sSubPr>
+                        <m:ctrlPr>
+                          <a:rPr lang="en-GB" i="1" smtClean="0">
+                            <a:latin typeface="Cambria Math" panose="02040503050406030204" pitchFamily="18" charset="0"/>
+                          </a:rPr>
+                        </m:ctrlPr>
+                      </m:sSubPr>
+                      <m:e>
+                        <m:r>
+                          <a:rPr lang="en-GB" b="0" i="1" smtClean="0">
+                            <a:latin typeface="Cambria Math" panose="02040503050406030204" pitchFamily="18" charset="0"/>
+                          </a:rPr>
+                          <m:t>𝑓</m:t>
+                        </m:r>
+                      </m:e>
+                      <m:sub>
+                        <m:r>
+                          <a:rPr lang="en-GB" b="0" i="1" smtClean="0">
+                            <a:latin typeface="Cambria Math" panose="02040503050406030204" pitchFamily="18" charset="0"/>
+                          </a:rPr>
+                          <m:t>𝑝</m:t>
+                        </m:r>
+                      </m:sub>
+                    </m:sSub>
+                    <m:r>
+                      <a:rPr lang="en-GB" i="1">
+                        <a:latin typeface="Cambria Math" panose="02040503050406030204" pitchFamily="18" charset="0"/>
+                      </a:rPr>
+                      <m:t>= </m:t>
+                    </m:r>
+                    <m:r>
+                      <a:rPr lang="en-GB" i="1">
+                        <a:latin typeface="Cambria Math" panose="02040503050406030204" pitchFamily="18" charset="0"/>
+                      </a:rPr>
+                      <m:t>𝑝𝑟𝑜𝑗𝑒𝑐𝑡𝑖𝑙𝑒</m:t>
+                    </m:r>
+                    <m:r>
+                      <a:rPr lang="en-GB" i="1">
+                        <a:latin typeface="Cambria Math" panose="02040503050406030204" pitchFamily="18" charset="0"/>
+                      </a:rPr>
+                      <m:t> × </m:t>
+                    </m:r>
+                    <m:d>
+                      <m:dPr>
+                        <m:ctrlPr>
+                          <a:rPr lang="en-GB" i="1">
+                            <a:latin typeface="Cambria Math" panose="02040503050406030204" pitchFamily="18" charset="0"/>
+                          </a:rPr>
+                        </m:ctrlPr>
+                      </m:dPr>
+                      <m:e>
+                        <m:r>
+                          <a:rPr lang="en-GB" i="1">
+                            <a:latin typeface="Cambria Math" panose="02040503050406030204" pitchFamily="18" charset="0"/>
+                          </a:rPr>
+                          <m:t>𝑎𝑡𝑡𝑎𝑐</m:t>
+                        </m:r>
+                        <m:r>
+                          <a:rPr lang="en-GB" b="0" i="1" smtClean="0">
+                            <a:latin typeface="Cambria Math" panose="02040503050406030204" pitchFamily="18" charset="0"/>
+                          </a:rPr>
+                          <m:t>𝑘</m:t>
+                        </m:r>
+                        <m:r>
+                          <a:rPr lang="en-GB" b="0" i="1" smtClean="0">
+                            <a:latin typeface="Cambria Math" panose="02040503050406030204" pitchFamily="18" charset="0"/>
+                          </a:rPr>
+                          <m:t>_</m:t>
+                        </m:r>
+                        <m:r>
+                          <a:rPr lang="en-GB" i="1">
+                            <a:latin typeface="Cambria Math" panose="02040503050406030204" pitchFamily="18" charset="0"/>
+                          </a:rPr>
+                          <m:t>𝑠𝑝𝑒𝑒𝑑</m:t>
+                        </m:r>
+                        <m:r>
+                          <a:rPr lang="en-GB" i="1">
+                            <a:latin typeface="Cambria Math" panose="02040503050406030204" pitchFamily="18" charset="0"/>
+                          </a:rPr>
+                          <m:t>+ </m:t>
+                        </m:r>
+                        <m:r>
+                          <a:rPr lang="en-GB" i="1">
+                            <a:latin typeface="Cambria Math" panose="02040503050406030204" pitchFamily="18" charset="0"/>
+                          </a:rPr>
+                          <m:t>𝑝𝑟𝑜𝑗𝑒𝑐𝑡𝑖𝑙𝑒</m:t>
+                        </m:r>
+                        <m:r>
+                          <a:rPr lang="en-GB" b="0" i="1" smtClean="0">
+                            <a:latin typeface="Cambria Math" panose="02040503050406030204" pitchFamily="18" charset="0"/>
+                          </a:rPr>
+                          <m:t>_</m:t>
+                        </m:r>
+                        <m:r>
+                          <a:rPr lang="en-GB" i="1">
+                            <a:latin typeface="Cambria Math" panose="02040503050406030204" pitchFamily="18" charset="0"/>
+                          </a:rPr>
+                          <m:t>𝑠𝑝𝑒𝑒𝑑</m:t>
+                        </m:r>
+                      </m:e>
+                    </m:d>
+                  </m:oMath>
+                </a14:m>
+                <a:endParaRPr lang="en-GB" dirty="0"/>
+              </a:p>
+              <a:p>
+                <a:pPr lvl="1"/>
+                <a14:m>
+                  <m:oMath xmlns:m="http://schemas.openxmlformats.org/officeDocument/2006/math">
+                    <m:sSub>
+                      <m:sSubPr>
+                        <m:ctrlPr>
+                          <a:rPr lang="sk-SK" i="1" smtClean="0">
+                            <a:latin typeface="Cambria Math" panose="02040503050406030204" pitchFamily="18" charset="0"/>
+                          </a:rPr>
+                        </m:ctrlPr>
+                      </m:sSubPr>
+                      <m:e>
+                        <m:r>
+                          <a:rPr lang="en-GB" b="0" i="1" smtClean="0">
+                            <a:latin typeface="Cambria Math" panose="02040503050406030204" pitchFamily="18" charset="0"/>
+                          </a:rPr>
+                          <m:t>𝑓</m:t>
+                        </m:r>
+                      </m:e>
+                      <m:sub>
+                        <m:r>
+                          <a:rPr lang="en-GB" b="0" i="1" smtClean="0">
+                            <a:latin typeface="Cambria Math" panose="02040503050406030204" pitchFamily="18" charset="0"/>
+                          </a:rPr>
+                          <m:t>𝑚</m:t>
+                        </m:r>
+                      </m:sub>
+                    </m:sSub>
+                    <m:r>
+                      <a:rPr lang="sk-SK" i="1">
+                        <a:latin typeface="Cambria Math" panose="02040503050406030204" pitchFamily="18" charset="0"/>
+                      </a:rPr>
+                      <m:t>= </m:t>
+                    </m:r>
+                    <m:r>
+                      <a:rPr lang="sk-SK" i="1">
+                        <a:latin typeface="Cambria Math" panose="02040503050406030204" pitchFamily="18" charset="0"/>
+                      </a:rPr>
+                      <m:t>𝑚𝑜𝑣𝑒𝑚𝑒𝑛𝑡</m:t>
+                    </m:r>
+                    <m:r>
+                      <a:rPr lang="en-GB" b="0" i="1" smtClean="0">
+                        <a:latin typeface="Cambria Math" panose="02040503050406030204" pitchFamily="18" charset="0"/>
+                      </a:rPr>
+                      <m:t>_</m:t>
+                    </m:r>
+                    <m:r>
+                      <a:rPr lang="en-GB" b="0" i="1" smtClean="0">
+                        <a:latin typeface="Cambria Math" panose="02040503050406030204" pitchFamily="18" charset="0"/>
+                      </a:rPr>
+                      <m:t>𝑠𝑝𝑒𝑒𝑑</m:t>
+                    </m:r>
+                    <m:r>
+                      <a:rPr lang="sk-SK" i="1">
+                        <a:latin typeface="Cambria Math" panose="02040503050406030204" pitchFamily="18" charset="0"/>
+                      </a:rPr>
+                      <m:t>× </m:t>
+                    </m:r>
+                    <m:r>
+                      <a:rPr lang="sk-SK" i="1">
+                        <a:latin typeface="Cambria Math" panose="02040503050406030204" pitchFamily="18" charset="0"/>
+                      </a:rPr>
+                      <m:t>𝑚𝑜𝑣𝑒𝑚𝑒𝑛𝑡</m:t>
+                    </m:r>
+                  </m:oMath>
+                </a14:m>
+                <a:endParaRPr lang="en-GB" dirty="0"/>
+              </a:p>
+              <a:p>
+                <a:pPr lvl="1"/>
+                <a14:m>
+                  <m:oMath xmlns:m="http://schemas.openxmlformats.org/officeDocument/2006/math">
+                    <m:r>
+                      <a:rPr lang="en-GB" i="1">
+                        <a:latin typeface="Cambria Math" panose="02040503050406030204" pitchFamily="18" charset="0"/>
+                      </a:rPr>
+                      <m:t>𝑓</m:t>
+                    </m:r>
+                    <m:r>
+                      <a:rPr lang="en-GB" i="1">
+                        <a:latin typeface="Cambria Math" panose="02040503050406030204" pitchFamily="18" charset="0"/>
+                      </a:rPr>
+                      <m:t> = </m:t>
+                    </m:r>
+                    <m:r>
+                      <a:rPr lang="en-GB" i="1">
+                        <a:latin typeface="Cambria Math" panose="02040503050406030204" pitchFamily="18" charset="0"/>
+                      </a:rPr>
+                      <m:t>h𝑒𝑎𝑙𝑡h</m:t>
+                    </m:r>
+                    <m:r>
+                      <a:rPr lang="en-GB" i="1">
+                        <a:latin typeface="Cambria Math" panose="02040503050406030204" pitchFamily="18" charset="0"/>
+                      </a:rPr>
+                      <m:t> + </m:t>
+                    </m:r>
+                    <m:r>
+                      <a:rPr lang="en-GB" i="1">
+                        <a:latin typeface="Cambria Math" panose="02040503050406030204" pitchFamily="18" charset="0"/>
+                      </a:rPr>
+                      <m:t>𝑎𝑐𝑡𝑖𝑣𝑒</m:t>
+                    </m:r>
+                    <m:r>
+                      <a:rPr lang="en-GB" i="1">
+                        <a:latin typeface="Cambria Math" panose="02040503050406030204" pitchFamily="18" charset="0"/>
+                      </a:rPr>
+                      <m:t> + 1/</m:t>
+                    </m:r>
+                    <m:r>
+                      <a:rPr lang="en-GB" i="1">
+                        <a:latin typeface="Cambria Math" panose="02040503050406030204" pitchFamily="18" charset="0"/>
+                      </a:rPr>
+                      <m:t>𝑟𝑒𝑠𝑡</m:t>
+                    </m:r>
+                    <m:r>
+                      <a:rPr lang="en-GB" i="1">
+                        <a:latin typeface="Cambria Math" panose="02040503050406030204" pitchFamily="18" charset="0"/>
+                      </a:rPr>
+                      <m:t> + </m:t>
+                    </m:r>
+                    <m:sSub>
+                      <m:sSubPr>
+                        <m:ctrlPr>
+                          <a:rPr lang="en-GB" i="1" smtClean="0">
+                            <a:latin typeface="Cambria Math" panose="02040503050406030204" pitchFamily="18" charset="0"/>
+                          </a:rPr>
+                        </m:ctrlPr>
+                      </m:sSubPr>
+                      <m:e>
+                        <m:r>
+                          <a:rPr lang="en-GB" b="0" i="1" smtClean="0">
+                            <a:latin typeface="Cambria Math" panose="02040503050406030204" pitchFamily="18" charset="0"/>
+                          </a:rPr>
+                          <m:t>𝑓</m:t>
+                        </m:r>
+                      </m:e>
+                      <m:sub>
+                        <m:r>
+                          <a:rPr lang="en-GB" b="0" i="1" smtClean="0">
+                            <a:latin typeface="Cambria Math" panose="02040503050406030204" pitchFamily="18" charset="0"/>
+                          </a:rPr>
+                          <m:t>𝑊</m:t>
+                        </m:r>
+                      </m:sub>
+                    </m:sSub>
+                    <m:r>
+                      <a:rPr lang="en-GB" i="1">
+                        <a:latin typeface="Cambria Math" panose="02040503050406030204" pitchFamily="18" charset="0"/>
+                      </a:rPr>
+                      <m:t> + </m:t>
+                    </m:r>
+                    <m:sSub>
+                      <m:sSubPr>
+                        <m:ctrlPr>
+                          <a:rPr lang="en-GB" i="1" smtClean="0">
+                            <a:latin typeface="Cambria Math" panose="02040503050406030204" pitchFamily="18" charset="0"/>
+                          </a:rPr>
+                        </m:ctrlPr>
+                      </m:sSubPr>
+                      <m:e>
+                        <m:r>
+                          <a:rPr lang="en-GB" b="0" i="1" smtClean="0">
+                            <a:latin typeface="Cambria Math" panose="02040503050406030204" pitchFamily="18" charset="0"/>
+                          </a:rPr>
+                          <m:t>𝑓</m:t>
+                        </m:r>
+                      </m:e>
+                      <m:sub>
+                        <m:r>
+                          <a:rPr lang="en-GB" b="0" i="1" smtClean="0">
+                            <a:latin typeface="Cambria Math" panose="02040503050406030204" pitchFamily="18" charset="0"/>
+                          </a:rPr>
+                          <m:t>𝑝</m:t>
+                        </m:r>
+                      </m:sub>
+                    </m:sSub>
+                    <m:r>
+                      <a:rPr lang="en-GB" i="1">
+                        <a:latin typeface="Cambria Math" panose="02040503050406030204" pitchFamily="18" charset="0"/>
+                      </a:rPr>
+                      <m:t>+ </m:t>
+                    </m:r>
+                    <m:sSub>
+                      <m:sSubPr>
+                        <m:ctrlPr>
+                          <a:rPr lang="en-GB" i="1" smtClean="0">
+                            <a:latin typeface="Cambria Math" panose="02040503050406030204" pitchFamily="18" charset="0"/>
+                          </a:rPr>
+                        </m:ctrlPr>
+                      </m:sSubPr>
+                      <m:e>
+                        <m:r>
+                          <a:rPr lang="en-GB" b="0" i="1" smtClean="0">
+                            <a:latin typeface="Cambria Math" panose="02040503050406030204" pitchFamily="18" charset="0"/>
+                          </a:rPr>
+                          <m:t>𝑓</m:t>
+                        </m:r>
+                      </m:e>
+                      <m:sub>
+                        <m:r>
+                          <a:rPr lang="en-GB" b="0" i="1" smtClean="0">
+                            <a:latin typeface="Cambria Math" panose="02040503050406030204" pitchFamily="18" charset="0"/>
+                          </a:rPr>
+                          <m:t>𝑚</m:t>
+                        </m:r>
+                      </m:sub>
+                    </m:sSub>
+                    <m:r>
+                      <a:rPr lang="en-GB" i="1">
+                        <a:latin typeface="Cambria Math" panose="02040503050406030204" pitchFamily="18" charset="0"/>
+                      </a:rPr>
+                      <m:t>,</m:t>
+                    </m:r>
+                  </m:oMath>
+                </a14:m>
+                <a:endParaRPr lang="en-GB" dirty="0"/>
+              </a:p>
+              <a:p>
+                <a:pPr lvl="2"/>
+                <a14:m>
+                  <m:oMath xmlns:m="http://schemas.openxmlformats.org/officeDocument/2006/math">
+                    <m:r>
+                      <a:rPr lang="en-GB" i="1" smtClean="0">
+                        <a:latin typeface="Cambria Math" panose="02040503050406030204" pitchFamily="18" charset="0"/>
+                      </a:rPr>
+                      <m:t>𝑎𝑐𝑡𝑖𝑣𝑒</m:t>
+                    </m:r>
+                  </m:oMath>
+                </a14:m>
+                <a:r>
+                  <a:rPr lang="en-GB" dirty="0"/>
+                  <a:t> indicates for how many seconds can the bot move before having to </a:t>
+                </a:r>
+                <a14:m>
+                  <m:oMath xmlns:m="http://schemas.openxmlformats.org/officeDocument/2006/math">
+                    <m:r>
+                      <a:rPr lang="en-GB" i="1">
+                        <a:latin typeface="Cambria Math" panose="02040503050406030204" pitchFamily="18" charset="0"/>
+                      </a:rPr>
+                      <m:t>𝑟𝑒𝑠𝑡</m:t>
+                    </m:r>
+                  </m:oMath>
+                </a14:m>
+                <a:r>
+                  <a:rPr lang="en-GB" dirty="0"/>
+                  <a:t>, </a:t>
+                </a:r>
+                <a14:m>
+                  <m:oMath xmlns:m="http://schemas.openxmlformats.org/officeDocument/2006/math">
+                    <m:r>
+                      <a:rPr lang="en-GB" i="1">
+                        <a:latin typeface="Cambria Math" panose="02040503050406030204" pitchFamily="18" charset="0"/>
+                      </a:rPr>
+                      <m:t>𝑝𝑟𝑜𝑗𝑒𝑐𝑡𝑖𝑙𝑒</m:t>
+                    </m:r>
+                  </m:oMath>
+                </a14:m>
+                <a:r>
+                  <a:rPr lang="en-GB" dirty="0"/>
+                  <a:t> is used to indicate whether the weapon can shoot projectiles</a:t>
+                </a:r>
+                <a:endParaRPr lang="sk-SK" dirty="0"/>
+              </a:p>
+              <a:p>
+                <a:r>
+                  <a:rPr lang="en-GB" dirty="0"/>
+                  <a:t>Enemy spawn point contains as many enemies as is needed for their sum of fitness to be 3x larger than the difficulty setting, providing satisfactory challenge even against “easy” enemies</a:t>
+                </a:r>
+                <a:endParaRPr lang="sk-SK" dirty="0"/>
+              </a:p>
+            </p:txBody>
+          </p:sp>
+        </mc:Choice>
+        <mc:Fallback>
+          <p:sp>
+            <p:nvSpPr>
+              <p:cNvPr id="3" name="Content Placeholder 2">
+                <a:extLst>
+                  <a:ext uri="{FF2B5EF4-FFF2-40B4-BE49-F238E27FC236}">
+                    <a16:creationId xmlns:a16="http://schemas.microsoft.com/office/drawing/2014/main" id="{DA103E7A-556E-C6BC-7FA2-334803678E41}"/>
+                  </a:ext>
+                </a:extLst>
+              </p:cNvPr>
+              <p:cNvSpPr>
+                <a:spLocks noGrp="1" noRot="1" noChangeAspect="1" noMove="1" noResize="1" noEditPoints="1" noAdjustHandles="1" noChangeArrowheads="1" noChangeShapeType="1" noTextEdit="1"/>
+              </p:cNvSpPr>
+              <p:nvPr>
+                <p:ph idx="1"/>
+              </p:nvPr>
+            </p:nvSpPr>
+            <p:spPr>
+              <a:blipFill>
+                <a:blip r:embed="rId2"/>
+                <a:stretch>
+                  <a:fillRect l="-406" t="-2101" r="-580" b="-1261"/>
+                </a:stretch>
+              </a:blipFill>
+            </p:spPr>
+            <p:txBody>
+              <a:bodyPr/>
+              <a:lstStyle/>
+              <a:p>
+                <a:r>
+                  <a:rPr lang="en-GB">
+                    <a:noFill/>
+                  </a:rPr>
+                  <a:t> </a:t>
+                </a:r>
+              </a:p>
+            </p:txBody>
+          </p:sp>
+        </mc:Fallback>
+      </mc:AlternateContent>
       <p:sp>
         <p:nvSpPr>
           <p:cNvPr id="4" name="Slide Number Placeholder 3">
             <a:extLst>
               <a:ext uri="{FF2B5EF4-FFF2-40B4-BE49-F238E27FC236}">
-                <a16:creationId xmlns:a16="http://schemas.microsoft.com/office/drawing/2014/main" id="{DD5D96B0-C9BF-5D53-77E4-49F368CF1D4D}"/>
+                <a16:creationId xmlns:a16="http://schemas.microsoft.com/office/drawing/2014/main" id="{D7DFA216-39CF-044E-27AE-428BE4BB37B6}"/>
               </a:ext>
             </a:extLst>
           </p:cNvPr>
@@ -4195,7 +5600,7 @@
     </p:spTree>
     <p:extLst>
       <p:ext uri="{BB962C8B-B14F-4D97-AF65-F5344CB8AC3E}">
-        <p14:creationId xmlns:p14="http://schemas.microsoft.com/office/powerpoint/2010/main" val="24451168"/>
+        <p14:creationId xmlns:p14="http://schemas.microsoft.com/office/powerpoint/2010/main" val="3497472055"/>
       </p:ext>
     </p:extLst>
   </p:cSld>
@@ -4227,7 +5632,7 @@
           <p:cNvPr id="2" name="Title 1">
             <a:extLst>
               <a:ext uri="{FF2B5EF4-FFF2-40B4-BE49-F238E27FC236}">
-                <a16:creationId xmlns:a16="http://schemas.microsoft.com/office/drawing/2014/main" id="{AA4ACEC3-4C9C-CFFB-A319-337EFE38C1FE}"/>
+                <a16:creationId xmlns:a16="http://schemas.microsoft.com/office/drawing/2014/main" id="{C155D37D-5901-A2D7-EEB1-610D718B5A59}"/>
               </a:ext>
             </a:extLst>
           </p:cNvPr>
@@ -4240,81 +5645,973 @@
         </p:nvSpPr>
         <p:spPr/>
         <p:txBody>
-          <a:bodyPr/>
-          <a:lstStyle/>
-          <a:p>
-            <a:r>
-              <a:rPr lang="sk-SK" dirty="0"/>
-              <a:t>Preparations</a:t>
-            </a:r>
-            <a:br>
-              <a:rPr lang="sk-SK" dirty="0"/>
-            </a:br>
-            <a:endParaRPr lang="en-GB" dirty="0"/>
-          </a:p>
-        </p:txBody>
-      </p:sp>
-      <p:sp>
-        <p:nvSpPr>
-          <p:cNvPr id="3" name="Content Placeholder 2">
-            <a:extLst>
-              <a:ext uri="{FF2B5EF4-FFF2-40B4-BE49-F238E27FC236}">
-                <a16:creationId xmlns:a16="http://schemas.microsoft.com/office/drawing/2014/main" id="{CC54DE4D-64EF-F9F3-1A78-15077789BA36}"/>
-              </a:ext>
-            </a:extLst>
-          </p:cNvPr>
-          <p:cNvSpPr>
-            <a:spLocks noGrp="1"/>
-          </p:cNvSpPr>
-          <p:nvPr>
-            <p:ph idx="1"/>
-          </p:nvPr>
-        </p:nvSpPr>
-        <p:spPr/>
-        <p:txBody>
-          <a:bodyPr/>
-          <a:lstStyle/>
-          <a:p>
-            <a:r>
-              <a:rPr lang="sk-SK" dirty="0"/>
-              <a:t>Set up Unreal Engine v 5.5.4</a:t>
-            </a:r>
-          </a:p>
-          <a:p>
-            <a:r>
-              <a:rPr lang="sk-SK" dirty="0"/>
-              <a:t>Set up required Visual studio dependencies</a:t>
-            </a:r>
-          </a:p>
-          <a:p>
-            <a:r>
-              <a:rPr lang="sk-SK" dirty="0"/>
-              <a:t>Fought with compilation errors and broken compilation</a:t>
-            </a:r>
-          </a:p>
-          <a:p>
-            <a:r>
-              <a:rPr lang="sk-SK" dirty="0"/>
-              <a:t>Set up editor and preferences</a:t>
-            </a:r>
-          </a:p>
-          <a:p>
-            <a:r>
-              <a:rPr lang="sk-SK" dirty="0"/>
-              <a:t>Set up Rider to work with Unreal Engine</a:t>
-            </a:r>
-          </a:p>
-          <a:p>
-            <a:endParaRPr lang="en-GB" dirty="0"/>
-          </a:p>
-        </p:txBody>
-      </p:sp>
+          <a:bodyPr>
+            <a:noAutofit/>
+          </a:bodyPr>
+          <a:lstStyle/>
+          <a:p>
+            <a:r>
+              <a:rPr lang="en-GB" sz="3200" dirty="0"/>
+              <a:t>AI in Computer Games: Generating Interesting</a:t>
+            </a:r>
+            <a:r>
+              <a:rPr lang="sk-SK" sz="3200" dirty="0"/>
+              <a:t> </a:t>
+            </a:r>
+            <a:r>
+              <a:rPr lang="en-GB" sz="3200" dirty="0"/>
+              <a:t>Interactive Opponents by the use of</a:t>
+            </a:r>
+            <a:r>
+              <a:rPr lang="sk-SK" sz="3200" dirty="0"/>
+              <a:t> </a:t>
+            </a:r>
+            <a:r>
+              <a:rPr lang="en-GB" sz="3200" dirty="0"/>
+              <a:t>Evolutionary Computation</a:t>
+            </a:r>
+          </a:p>
+        </p:txBody>
+      </p:sp>
+      <mc:AlternateContent xmlns:mc="http://schemas.openxmlformats.org/markup-compatibility/2006">
+        <mc:Choice xmlns:a14="http://schemas.microsoft.com/office/drawing/2010/main" Requires="a14">
+          <p:sp>
+            <p:nvSpPr>
+              <p:cNvPr id="3" name="Content Placeholder 2">
+                <a:extLst>
+                  <a:ext uri="{FF2B5EF4-FFF2-40B4-BE49-F238E27FC236}">
+                    <a16:creationId xmlns:a16="http://schemas.microsoft.com/office/drawing/2014/main" id="{4C80E883-BABB-E3D3-ED32-653F574869B1}"/>
+                  </a:ext>
+                </a:extLst>
+              </p:cNvPr>
+              <p:cNvSpPr>
+                <a:spLocks noGrp="1"/>
+              </p:cNvSpPr>
+              <p:nvPr>
+                <p:ph idx="1"/>
+              </p:nvPr>
+            </p:nvSpPr>
+            <p:spPr/>
+            <p:txBody>
+              <a:bodyPr>
+                <a:normAutofit/>
+              </a:bodyPr>
+              <a:lstStyle/>
+              <a:p>
+                <a:r>
+                  <a:rPr lang="sk-SK" sz="1800" dirty="0"/>
+                  <a:t>Provides interesting metric calculations for </a:t>
+                </a:r>
+                <a:endParaRPr lang="en-GB" sz="1800" dirty="0"/>
+              </a:p>
+              <a:p>
+                <a:pPr lvl="1"/>
+                <a:r>
+                  <a:rPr lang="sk-SK" sz="1800" dirty="0"/>
+                  <a:t>Appropriate level of challenge</a:t>
+                </a:r>
+                <a:endParaRPr lang="en-GB" sz="1800" dirty="0"/>
+              </a:p>
+              <a:p>
+                <a:pPr lvl="2"/>
+                <a:r>
+                  <a:rPr lang="en-GB" sz="1800" dirty="0"/>
+                  <a:t>How many steps it takes to kill player. Too many or too few are not optimal</a:t>
+                </a:r>
+              </a:p>
+              <a:p>
+                <a:pPr lvl="2"/>
+                <a14:m>
+                  <m:oMath xmlns:m="http://schemas.openxmlformats.org/officeDocument/2006/math">
+                    <m:r>
+                      <a:rPr lang="en-GB" sz="1800" i="1">
+                        <a:latin typeface="Cambria Math" panose="02040503050406030204" pitchFamily="18" charset="0"/>
+                      </a:rPr>
+                      <m:t>𝑇</m:t>
+                    </m:r>
+                    <m:r>
+                      <a:rPr lang="en-GB" sz="1800" i="1">
+                        <a:latin typeface="Cambria Math" panose="02040503050406030204" pitchFamily="18" charset="0"/>
+                      </a:rPr>
+                      <m:t> = </m:t>
+                    </m:r>
+                    <m:sSup>
+                      <m:sSupPr>
+                        <m:ctrlPr>
+                          <a:rPr lang="en-GB" sz="1800" i="1" smtClean="0">
+                            <a:latin typeface="Cambria Math" panose="02040503050406030204" pitchFamily="18" charset="0"/>
+                          </a:rPr>
+                        </m:ctrlPr>
+                      </m:sSupPr>
+                      <m:e>
+                        <m:r>
+                          <a:rPr lang="en-GB" sz="1800" i="1">
+                            <a:latin typeface="Cambria Math" panose="02040503050406030204" pitchFamily="18" charset="0"/>
+                          </a:rPr>
+                          <m:t>[1−(</m:t>
+                        </m:r>
+                        <m:r>
+                          <a:rPr lang="en-GB" sz="1800" i="1">
+                            <a:latin typeface="Cambria Math" panose="02040503050406030204" pitchFamily="18" charset="0"/>
+                          </a:rPr>
+                          <m:t>𝐸</m:t>
+                        </m:r>
+                        <m:r>
+                          <a:rPr lang="en-GB" sz="1800" i="1">
+                            <a:latin typeface="Cambria Math" panose="02040503050406030204" pitchFamily="18" charset="0"/>
+                          </a:rPr>
+                          <m:t>{</m:t>
+                        </m:r>
+                        <m:sSub>
+                          <m:sSubPr>
+                            <m:ctrlPr>
+                              <a:rPr lang="en-GB" sz="1800" i="1" smtClean="0">
+                                <a:latin typeface="Cambria Math" panose="02040503050406030204" pitchFamily="18" charset="0"/>
+                              </a:rPr>
+                            </m:ctrlPr>
+                          </m:sSubPr>
+                          <m:e>
+                            <m:r>
+                              <a:rPr lang="en-GB" sz="1800" b="0" i="1" smtClean="0">
+                                <a:latin typeface="Cambria Math" panose="02040503050406030204" pitchFamily="18" charset="0"/>
+                              </a:rPr>
+                              <m:t>𝑡</m:t>
+                            </m:r>
+                          </m:e>
+                          <m:sub>
+                            <m:r>
+                              <a:rPr lang="en-GB" sz="1800" b="0" i="1" smtClean="0">
+                                <a:latin typeface="Cambria Math" panose="02040503050406030204" pitchFamily="18" charset="0"/>
+                              </a:rPr>
+                              <m:t>𝑘</m:t>
+                            </m:r>
+                          </m:sub>
+                        </m:sSub>
+                        <m:r>
+                          <a:rPr lang="en-GB" sz="1800" i="1">
+                            <a:latin typeface="Cambria Math" panose="02040503050406030204" pitchFamily="18" charset="0"/>
+                          </a:rPr>
+                          <m:t>}/</m:t>
+                        </m:r>
+                        <m:r>
+                          <a:rPr lang="en-GB" sz="1800" i="1">
+                            <a:latin typeface="Cambria Math" panose="02040503050406030204" pitchFamily="18" charset="0"/>
+                          </a:rPr>
+                          <m:t>𝑚𝑎𝑥</m:t>
+                        </m:r>
+                        <m:r>
+                          <a:rPr lang="en-GB" sz="1800" i="1">
+                            <a:latin typeface="Cambria Math" panose="02040503050406030204" pitchFamily="18" charset="0"/>
+                          </a:rPr>
+                          <m:t>{</m:t>
+                        </m:r>
+                        <m:sSub>
+                          <m:sSubPr>
+                            <m:ctrlPr>
+                              <a:rPr lang="en-GB" sz="1800" i="1">
+                                <a:latin typeface="Cambria Math" panose="02040503050406030204" pitchFamily="18" charset="0"/>
+                              </a:rPr>
+                            </m:ctrlPr>
+                          </m:sSubPr>
+                          <m:e>
+                            <m:r>
+                              <a:rPr lang="en-GB" sz="1800" i="1">
+                                <a:latin typeface="Cambria Math" panose="02040503050406030204" pitchFamily="18" charset="0"/>
+                              </a:rPr>
+                              <m:t>𝑡</m:t>
+                            </m:r>
+                          </m:e>
+                          <m:sub>
+                            <m:r>
+                              <a:rPr lang="en-GB" sz="1800" i="1">
+                                <a:latin typeface="Cambria Math" panose="02040503050406030204" pitchFamily="18" charset="0"/>
+                              </a:rPr>
+                              <m:t>𝑘</m:t>
+                            </m:r>
+                          </m:sub>
+                        </m:sSub>
+                        <m:r>
+                          <a:rPr lang="en-GB" sz="1800" i="1">
+                            <a:latin typeface="Cambria Math" panose="02040503050406030204" pitchFamily="18" charset="0"/>
+                          </a:rPr>
+                          <m:t>})]</m:t>
+                        </m:r>
+                      </m:e>
+                      <m:sup>
+                        <m:sSub>
+                          <m:sSubPr>
+                            <m:ctrlPr>
+                              <a:rPr lang="en-GB" sz="1800" i="1" smtClean="0">
+                                <a:latin typeface="Cambria Math" panose="02040503050406030204" pitchFamily="18" charset="0"/>
+                              </a:rPr>
+                            </m:ctrlPr>
+                          </m:sSubPr>
+                          <m:e>
+                            <m:r>
+                              <a:rPr lang="en-GB" sz="1800" b="0" i="1" smtClean="0">
+                                <a:latin typeface="Cambria Math" panose="02040503050406030204" pitchFamily="18" charset="0"/>
+                              </a:rPr>
+                              <m:t>𝑝</m:t>
+                            </m:r>
+                          </m:e>
+                          <m:sub>
+                            <m:r>
+                              <a:rPr lang="en-GB" sz="1800" b="0" i="1" smtClean="0">
+                                <a:latin typeface="Cambria Math" panose="02040503050406030204" pitchFamily="18" charset="0"/>
+                              </a:rPr>
+                              <m:t>1</m:t>
+                            </m:r>
+                          </m:sub>
+                        </m:sSub>
+                      </m:sup>
+                    </m:sSup>
+                  </m:oMath>
+                </a14:m>
+                <a:endParaRPr lang="en-GB" sz="1800" dirty="0"/>
+              </a:p>
+              <a:p>
+                <a:pPr lvl="3"/>
+                <a:r>
+                  <a:rPr lang="en-GB" dirty="0"/>
+                  <a:t>Where </a:t>
+                </a:r>
+                <a14:m>
+                  <m:oMath xmlns:m="http://schemas.openxmlformats.org/officeDocument/2006/math">
+                    <m:r>
+                      <a:rPr lang="en-GB" i="1" smtClean="0">
+                        <a:latin typeface="Cambria Math" panose="02040503050406030204" pitchFamily="18" charset="0"/>
+                      </a:rPr>
+                      <m:t>𝐸</m:t>
+                    </m:r>
+                    <m:r>
+                      <a:rPr lang="en-GB" i="1" smtClean="0">
+                        <a:latin typeface="Cambria Math" panose="02040503050406030204" pitchFamily="18" charset="0"/>
+                      </a:rPr>
+                      <m:t>{</m:t>
+                    </m:r>
+                    <m:sSub>
+                      <m:sSubPr>
+                        <m:ctrlPr>
+                          <a:rPr lang="en-GB" i="1" smtClean="0">
+                            <a:latin typeface="Cambria Math" panose="02040503050406030204" pitchFamily="18" charset="0"/>
+                          </a:rPr>
+                        </m:ctrlPr>
+                      </m:sSubPr>
+                      <m:e>
+                        <m:r>
+                          <a:rPr lang="en-GB" b="0" i="1" smtClean="0">
+                            <a:latin typeface="Cambria Math" panose="02040503050406030204" pitchFamily="18" charset="0"/>
+                          </a:rPr>
+                          <m:t>𝑡</m:t>
+                        </m:r>
+                      </m:e>
+                      <m:sub>
+                        <m:r>
+                          <a:rPr lang="en-GB" b="0" i="1" smtClean="0">
+                            <a:latin typeface="Cambria Math" panose="02040503050406030204" pitchFamily="18" charset="0"/>
+                          </a:rPr>
+                          <m:t>𝑘</m:t>
+                        </m:r>
+                      </m:sub>
+                    </m:sSub>
+                    <m:r>
+                      <a:rPr lang="en-GB" b="0" i="1" smtClean="0">
+                        <a:latin typeface="Cambria Math" panose="02040503050406030204" pitchFamily="18" charset="0"/>
+                      </a:rPr>
+                      <m:t>}</m:t>
+                    </m:r>
+                  </m:oMath>
+                </a14:m>
+                <a:r>
+                  <a:rPr lang="en-GB" dirty="0"/>
+                  <a:t> is average number of simulation steps, </a:t>
+                </a:r>
+                <a14:m>
+                  <m:oMath xmlns:m="http://schemas.openxmlformats.org/officeDocument/2006/math">
+                    <m:r>
+                      <a:rPr lang="en-GB" i="1">
+                        <a:latin typeface="Cambria Math" panose="02040503050406030204" pitchFamily="18" charset="0"/>
+                      </a:rPr>
+                      <m:t>𝑚𝑎𝑥</m:t>
+                    </m:r>
+                    <m:r>
+                      <a:rPr lang="en-GB" i="1">
+                        <a:latin typeface="Cambria Math" panose="02040503050406030204" pitchFamily="18" charset="0"/>
+                      </a:rPr>
+                      <m:t>{</m:t>
+                    </m:r>
+                    <m:sSub>
+                      <m:sSubPr>
+                        <m:ctrlPr>
+                          <a:rPr lang="en-GB" i="1">
+                            <a:latin typeface="Cambria Math" panose="02040503050406030204" pitchFamily="18" charset="0"/>
+                          </a:rPr>
+                        </m:ctrlPr>
+                      </m:sSubPr>
+                      <m:e>
+                        <m:r>
+                          <a:rPr lang="en-GB" i="1">
+                            <a:latin typeface="Cambria Math" panose="02040503050406030204" pitchFamily="18" charset="0"/>
+                          </a:rPr>
+                          <m:t>𝑡</m:t>
+                        </m:r>
+                      </m:e>
+                      <m:sub>
+                        <m:r>
+                          <a:rPr lang="en-GB" i="1">
+                            <a:latin typeface="Cambria Math" panose="02040503050406030204" pitchFamily="18" charset="0"/>
+                          </a:rPr>
+                          <m:t>𝑘</m:t>
+                        </m:r>
+                      </m:sub>
+                    </m:sSub>
+                    <m:r>
+                      <a:rPr lang="en-GB" i="1">
+                        <a:latin typeface="Cambria Math" panose="02040503050406030204" pitchFamily="18" charset="0"/>
+                      </a:rPr>
+                      <m:t>}</m:t>
+                    </m:r>
+                  </m:oMath>
+                </a14:m>
+                <a:r>
+                  <a:rPr lang="en-GB" dirty="0"/>
+                  <a:t> is the maximum number of simulation steps over N games and </a:t>
+                </a:r>
+                <a14:m>
+                  <m:oMath xmlns:m="http://schemas.openxmlformats.org/officeDocument/2006/math">
+                    <m:sSub>
+                      <m:sSubPr>
+                        <m:ctrlPr>
+                          <a:rPr lang="en-GB" i="1">
+                            <a:latin typeface="Cambria Math" panose="02040503050406030204" pitchFamily="18" charset="0"/>
+                          </a:rPr>
+                        </m:ctrlPr>
+                      </m:sSubPr>
+                      <m:e>
+                        <m:r>
+                          <a:rPr lang="en-GB" i="1">
+                            <a:latin typeface="Cambria Math" panose="02040503050406030204" pitchFamily="18" charset="0"/>
+                          </a:rPr>
+                          <m:t>𝑝</m:t>
+                        </m:r>
+                      </m:e>
+                      <m:sub>
+                        <m:r>
+                          <a:rPr lang="en-GB" i="1">
+                            <a:latin typeface="Cambria Math" panose="02040503050406030204" pitchFamily="18" charset="0"/>
+                          </a:rPr>
+                          <m:t>1</m:t>
+                        </m:r>
+                      </m:sub>
+                    </m:sSub>
+                  </m:oMath>
+                </a14:m>
+                <a:r>
+                  <a:rPr lang="en-GB" dirty="0"/>
+                  <a:t> is weighting parameter</a:t>
+                </a:r>
+              </a:p>
+              <a:p>
+                <a:pPr lvl="1"/>
+                <a:r>
+                  <a:rPr lang="en-GB" sz="1800" dirty="0"/>
+                  <a:t>B</a:t>
+                </a:r>
+                <a:r>
+                  <a:rPr lang="sk-SK" sz="1800" dirty="0"/>
+                  <a:t>ehaviour diversity</a:t>
+                </a:r>
+                <a:endParaRPr lang="en-GB" sz="1800" dirty="0"/>
+              </a:p>
+              <a:p>
+                <a:pPr lvl="2"/>
+                <a:r>
+                  <a:rPr lang="en-GB" sz="1800" dirty="0"/>
+                  <a:t>The higher is the standard deviation of the steps taken to kill player over N games, the more interesting the behaviour is</a:t>
+                </a:r>
+              </a:p>
+              <a:p>
+                <a:pPr lvl="2"/>
+                <a14:m>
+                  <m:oMath xmlns:m="http://schemas.openxmlformats.org/officeDocument/2006/math">
+                    <m:r>
+                      <a:rPr lang="en-GB" sz="1800" b="0" i="1" smtClean="0">
+                        <a:latin typeface="Cambria Math" panose="02040503050406030204" pitchFamily="18" charset="0"/>
+                      </a:rPr>
+                      <m:t>𝑆</m:t>
+                    </m:r>
+                    <m:r>
+                      <a:rPr lang="en-GB" sz="1800" b="0" i="1" smtClean="0">
+                        <a:latin typeface="Cambria Math" panose="02040503050406030204" pitchFamily="18" charset="0"/>
+                      </a:rPr>
+                      <m:t>= </m:t>
+                    </m:r>
+                    <m:sSup>
+                      <m:sSupPr>
+                        <m:ctrlPr>
+                          <a:rPr lang="en-GB" sz="1800" b="0" i="1" smtClean="0">
+                            <a:latin typeface="Cambria Math" panose="02040503050406030204" pitchFamily="18" charset="0"/>
+                          </a:rPr>
+                        </m:ctrlPr>
+                      </m:sSupPr>
+                      <m:e>
+                        <m:d>
+                          <m:dPr>
+                            <m:ctrlPr>
+                              <a:rPr lang="en-GB" sz="1800" i="1">
+                                <a:latin typeface="Cambria Math" panose="02040503050406030204" pitchFamily="18" charset="0"/>
+                              </a:rPr>
+                            </m:ctrlPr>
+                          </m:dPr>
+                          <m:e>
+                            <m:f>
+                              <m:fPr>
+                                <m:ctrlPr>
+                                  <a:rPr lang="en-GB" sz="1800" i="1">
+                                    <a:latin typeface="Cambria Math" panose="02040503050406030204" pitchFamily="18" charset="0"/>
+                                  </a:rPr>
+                                </m:ctrlPr>
+                              </m:fPr>
+                              <m:num>
+                                <m:sSub>
+                                  <m:sSubPr>
+                                    <m:ctrlPr>
+                                      <a:rPr lang="en-GB" sz="1800" i="1">
+                                        <a:latin typeface="Cambria Math" panose="02040503050406030204" pitchFamily="18" charset="0"/>
+                                      </a:rPr>
+                                    </m:ctrlPr>
+                                  </m:sSubPr>
+                                  <m:e>
+                                    <m:r>
+                                      <m:rPr>
+                                        <m:sty m:val="p"/>
+                                      </m:rPr>
+                                      <a:rPr lang="el-GR" sz="1800" i="1">
+                                        <a:latin typeface="Cambria Math" panose="02040503050406030204" pitchFamily="18" charset="0"/>
+                                      </a:rPr>
+                                      <m:t>σ</m:t>
+                                    </m:r>
+                                  </m:e>
+                                  <m:sub>
+                                    <m:sSub>
+                                      <m:sSubPr>
+                                        <m:ctrlPr>
+                                          <a:rPr lang="en-GB" sz="1800" i="1">
+                                            <a:latin typeface="Cambria Math" panose="02040503050406030204" pitchFamily="18" charset="0"/>
+                                          </a:rPr>
+                                        </m:ctrlPr>
+                                      </m:sSubPr>
+                                      <m:e>
+                                        <m:r>
+                                          <a:rPr lang="en-GB" sz="1800" i="1">
+                                            <a:latin typeface="Cambria Math" panose="02040503050406030204" pitchFamily="18" charset="0"/>
+                                          </a:rPr>
+                                          <m:t>𝑡</m:t>
+                                        </m:r>
+                                      </m:e>
+                                      <m:sub>
+                                        <m:r>
+                                          <a:rPr lang="en-GB" sz="1800" i="1">
+                                            <a:latin typeface="Cambria Math" panose="02040503050406030204" pitchFamily="18" charset="0"/>
+                                          </a:rPr>
+                                          <m:t>𝑘</m:t>
+                                        </m:r>
+                                      </m:sub>
+                                    </m:sSub>
+                                  </m:sub>
+                                </m:sSub>
+                              </m:num>
+                              <m:den>
+                                <m:sSub>
+                                  <m:sSubPr>
+                                    <m:ctrlPr>
+                                      <a:rPr lang="en-GB" sz="1800" i="1">
+                                        <a:latin typeface="Cambria Math" panose="02040503050406030204" pitchFamily="18" charset="0"/>
+                                      </a:rPr>
+                                    </m:ctrlPr>
+                                  </m:sSubPr>
+                                  <m:e>
+                                    <m:r>
+                                      <m:rPr>
+                                        <m:sty m:val="p"/>
+                                      </m:rPr>
+                                      <a:rPr lang="el-GR" sz="1800" i="1">
+                                        <a:latin typeface="Cambria Math" panose="02040503050406030204" pitchFamily="18" charset="0"/>
+                                      </a:rPr>
+                                      <m:t>σ</m:t>
+                                    </m:r>
+                                  </m:e>
+                                  <m:sub>
+                                    <m:r>
+                                      <a:rPr lang="en-GB" sz="1800" i="1">
+                                        <a:latin typeface="Cambria Math" panose="02040503050406030204" pitchFamily="18" charset="0"/>
+                                      </a:rPr>
+                                      <m:t>𝑚𝑎𝑥</m:t>
+                                    </m:r>
+                                  </m:sub>
+                                </m:sSub>
+                              </m:den>
+                            </m:f>
+                          </m:e>
+                        </m:d>
+                      </m:e>
+                      <m:sup>
+                        <m:sSub>
+                          <m:sSubPr>
+                            <m:ctrlPr>
+                              <a:rPr lang="en-GB" sz="1800" b="0" i="1" smtClean="0">
+                                <a:latin typeface="Cambria Math" panose="02040503050406030204" pitchFamily="18" charset="0"/>
+                              </a:rPr>
+                            </m:ctrlPr>
+                          </m:sSubPr>
+                          <m:e>
+                            <m:r>
+                              <a:rPr lang="en-GB" sz="1800" b="0" i="1" smtClean="0">
+                                <a:latin typeface="Cambria Math" panose="02040503050406030204" pitchFamily="18" charset="0"/>
+                              </a:rPr>
+                              <m:t>𝑃</m:t>
+                            </m:r>
+                          </m:e>
+                          <m:sub>
+                            <m:r>
+                              <a:rPr lang="en-GB" sz="1800" b="0" i="1" smtClean="0">
+                                <a:latin typeface="Cambria Math" panose="02040503050406030204" pitchFamily="18" charset="0"/>
+                              </a:rPr>
+                              <m:t>2</m:t>
+                            </m:r>
+                          </m:sub>
+                        </m:sSub>
+                      </m:sup>
+                    </m:sSup>
+                  </m:oMath>
+                </a14:m>
+                <a:endParaRPr lang="en-GB" sz="1800" dirty="0"/>
+              </a:p>
+              <a:p>
+                <a:pPr lvl="2"/>
+                <a14:m>
+                  <m:oMath xmlns:m="http://schemas.openxmlformats.org/officeDocument/2006/math">
+                    <m:sSub>
+                      <m:sSubPr>
+                        <m:ctrlPr>
+                          <a:rPr lang="en-GB" sz="1800" i="1" smtClean="0">
+                            <a:latin typeface="Cambria Math" panose="02040503050406030204" pitchFamily="18" charset="0"/>
+                          </a:rPr>
+                        </m:ctrlPr>
+                      </m:sSubPr>
+                      <m:e>
+                        <m:r>
+                          <m:rPr>
+                            <m:sty m:val="p"/>
+                          </m:rPr>
+                          <a:rPr lang="el-GR" sz="1800" i="1">
+                            <a:latin typeface="Cambria Math" panose="02040503050406030204" pitchFamily="18" charset="0"/>
+                          </a:rPr>
+                          <m:t>σ</m:t>
+                        </m:r>
+                      </m:e>
+                      <m:sub>
+                        <m:r>
+                          <a:rPr lang="en-GB" sz="1800" b="0" i="1" smtClean="0">
+                            <a:latin typeface="Cambria Math" panose="02040503050406030204" pitchFamily="18" charset="0"/>
+                          </a:rPr>
+                          <m:t>𝑚𝑎𝑥</m:t>
+                        </m:r>
+                      </m:sub>
+                    </m:sSub>
+                    <m:r>
+                      <a:rPr lang="en-GB" sz="1800" b="0" i="1" smtClean="0">
+                        <a:latin typeface="Cambria Math" panose="02040503050406030204" pitchFamily="18" charset="0"/>
+                      </a:rPr>
+                      <m:t>= </m:t>
+                    </m:r>
+                    <m:f>
+                      <m:fPr>
+                        <m:ctrlPr>
+                          <a:rPr lang="en-GB" sz="1800" b="0" i="1" smtClean="0">
+                            <a:latin typeface="Cambria Math" panose="02040503050406030204" pitchFamily="18" charset="0"/>
+                          </a:rPr>
+                        </m:ctrlPr>
+                      </m:fPr>
+                      <m:num>
+                        <m:r>
+                          <a:rPr lang="en-GB" sz="1800" b="0" i="1" smtClean="0">
+                            <a:latin typeface="Cambria Math" panose="02040503050406030204" pitchFamily="18" charset="0"/>
+                          </a:rPr>
+                          <m:t>1</m:t>
+                        </m:r>
+                      </m:num>
+                      <m:den>
+                        <m:r>
+                          <a:rPr lang="en-GB" sz="1800" b="0" i="1" smtClean="0">
+                            <a:latin typeface="Cambria Math" panose="02040503050406030204" pitchFamily="18" charset="0"/>
+                          </a:rPr>
+                          <m:t>2</m:t>
+                        </m:r>
+                      </m:den>
+                    </m:f>
+                    <m:rad>
+                      <m:radPr>
+                        <m:degHide m:val="on"/>
+                        <m:ctrlPr>
+                          <a:rPr lang="en-GB" sz="1800" b="0" i="1" smtClean="0">
+                            <a:latin typeface="Cambria Math" panose="02040503050406030204" pitchFamily="18" charset="0"/>
+                          </a:rPr>
+                        </m:ctrlPr>
+                      </m:radPr>
+                      <m:deg/>
+                      <m:e>
+                        <m:f>
+                          <m:fPr>
+                            <m:ctrlPr>
+                              <a:rPr lang="en-GB" sz="1800" b="0" i="1" smtClean="0">
+                                <a:latin typeface="Cambria Math" panose="02040503050406030204" pitchFamily="18" charset="0"/>
+                              </a:rPr>
+                            </m:ctrlPr>
+                          </m:fPr>
+                          <m:num>
+                            <m:r>
+                              <a:rPr lang="en-GB" sz="1800" b="0" i="1" smtClean="0">
+                                <a:latin typeface="Cambria Math" panose="02040503050406030204" pitchFamily="18" charset="0"/>
+                              </a:rPr>
+                              <m:t>𝑁</m:t>
+                            </m:r>
+                          </m:num>
+                          <m:den>
+                            <m:d>
+                              <m:dPr>
+                                <m:ctrlPr>
+                                  <a:rPr lang="en-GB" sz="1800" b="0" i="1" smtClean="0">
+                                    <a:latin typeface="Cambria Math" panose="02040503050406030204" pitchFamily="18" charset="0"/>
+                                  </a:rPr>
+                                </m:ctrlPr>
+                              </m:dPr>
+                              <m:e>
+                                <m:r>
+                                  <a:rPr lang="en-GB" sz="1800" b="0" i="1" smtClean="0">
+                                    <a:latin typeface="Cambria Math" panose="02040503050406030204" pitchFamily="18" charset="0"/>
+                                  </a:rPr>
+                                  <m:t>𝑁</m:t>
+                                </m:r>
+                                <m:r>
+                                  <a:rPr lang="en-GB" sz="1800" b="0" i="1" smtClean="0">
+                                    <a:latin typeface="Cambria Math" panose="02040503050406030204" pitchFamily="18" charset="0"/>
+                                  </a:rPr>
+                                  <m:t>−1</m:t>
+                                </m:r>
+                              </m:e>
+                            </m:d>
+                          </m:den>
+                        </m:f>
+                      </m:e>
+                    </m:rad>
+                    <m:r>
+                      <a:rPr lang="en-GB" sz="1800" b="0" i="1" smtClean="0">
+                        <a:latin typeface="Cambria Math" panose="02040503050406030204" pitchFamily="18" charset="0"/>
+                      </a:rPr>
+                      <m:t>(</m:t>
+                    </m:r>
+                    <m:sSub>
+                      <m:sSubPr>
+                        <m:ctrlPr>
+                          <a:rPr lang="en-GB" sz="1800" b="0" i="1" smtClean="0">
+                            <a:latin typeface="Cambria Math" panose="02040503050406030204" pitchFamily="18" charset="0"/>
+                          </a:rPr>
+                        </m:ctrlPr>
+                      </m:sSubPr>
+                      <m:e>
+                        <m:r>
+                          <a:rPr lang="en-GB" sz="1800" b="0" i="1" smtClean="0">
+                            <a:latin typeface="Cambria Math" panose="02040503050406030204" pitchFamily="18" charset="0"/>
+                          </a:rPr>
+                          <m:t>𝑡</m:t>
+                        </m:r>
+                      </m:e>
+                      <m:sub>
+                        <m:r>
+                          <a:rPr lang="en-GB" sz="1800" b="0" i="1" smtClean="0">
+                            <a:latin typeface="Cambria Math" panose="02040503050406030204" pitchFamily="18" charset="0"/>
+                          </a:rPr>
+                          <m:t>𝑚𝑎𝑥</m:t>
+                        </m:r>
+                      </m:sub>
+                    </m:sSub>
+                    <m:r>
+                      <a:rPr lang="en-GB" sz="1800" b="0" i="1" smtClean="0">
+                        <a:latin typeface="Cambria Math" panose="02040503050406030204" pitchFamily="18" charset="0"/>
+                      </a:rPr>
+                      <m:t>−</m:t>
+                    </m:r>
+                    <m:sSub>
+                      <m:sSubPr>
+                        <m:ctrlPr>
+                          <a:rPr lang="en-GB" sz="1800" b="0" i="1" smtClean="0">
+                            <a:latin typeface="Cambria Math" panose="02040503050406030204" pitchFamily="18" charset="0"/>
+                          </a:rPr>
+                        </m:ctrlPr>
+                      </m:sSubPr>
+                      <m:e>
+                        <m:r>
+                          <a:rPr lang="en-GB" sz="1800" b="0" i="1" smtClean="0">
+                            <a:latin typeface="Cambria Math" panose="02040503050406030204" pitchFamily="18" charset="0"/>
+                          </a:rPr>
+                          <m:t>𝑡</m:t>
+                        </m:r>
+                      </m:e>
+                      <m:sub>
+                        <m:r>
+                          <a:rPr lang="en-GB" sz="1800" b="0" i="1" smtClean="0">
+                            <a:latin typeface="Cambria Math" panose="02040503050406030204" pitchFamily="18" charset="0"/>
+                          </a:rPr>
+                          <m:t>𝑚𝑖𝑛</m:t>
+                        </m:r>
+                      </m:sub>
+                    </m:sSub>
+                    <m:r>
+                      <a:rPr lang="en-GB" sz="1800" b="0" i="1" smtClean="0">
+                        <a:latin typeface="Cambria Math" panose="02040503050406030204" pitchFamily="18" charset="0"/>
+                      </a:rPr>
+                      <m:t>)</m:t>
+                    </m:r>
+                  </m:oMath>
+                </a14:m>
+                <a:endParaRPr lang="en-GB" sz="1800" dirty="0"/>
+              </a:p>
+              <a:p>
+                <a:pPr lvl="3"/>
+                <a:r>
+                  <a:rPr lang="en-GB" dirty="0"/>
+                  <a:t>Where </a:t>
+                </a:r>
+                <a14:m>
+                  <m:oMath xmlns:m="http://schemas.openxmlformats.org/officeDocument/2006/math">
+                    <m:sSub>
+                      <m:sSubPr>
+                        <m:ctrlPr>
+                          <a:rPr lang="en-GB" i="1" smtClean="0">
+                            <a:latin typeface="Cambria Math" panose="02040503050406030204" pitchFamily="18" charset="0"/>
+                          </a:rPr>
+                        </m:ctrlPr>
+                      </m:sSubPr>
+                      <m:e>
+                        <m:r>
+                          <m:rPr>
+                            <m:sty m:val="p"/>
+                          </m:rPr>
+                          <a:rPr lang="el-GR" i="1">
+                            <a:latin typeface="Cambria Math" panose="02040503050406030204" pitchFamily="18" charset="0"/>
+                          </a:rPr>
+                          <m:t>σ</m:t>
+                        </m:r>
+                      </m:e>
+                      <m:sub>
+                        <m:sSub>
+                          <m:sSubPr>
+                            <m:ctrlPr>
+                              <a:rPr lang="en-GB" i="1">
+                                <a:latin typeface="Cambria Math" panose="02040503050406030204" pitchFamily="18" charset="0"/>
+                              </a:rPr>
+                            </m:ctrlPr>
+                          </m:sSubPr>
+                          <m:e>
+                            <m:r>
+                              <a:rPr lang="en-GB" i="1">
+                                <a:latin typeface="Cambria Math" panose="02040503050406030204" pitchFamily="18" charset="0"/>
+                              </a:rPr>
+                              <m:t>𝑡</m:t>
+                            </m:r>
+                          </m:e>
+                          <m:sub>
+                            <m:r>
+                              <a:rPr lang="en-GB" i="1">
+                                <a:latin typeface="Cambria Math" panose="02040503050406030204" pitchFamily="18" charset="0"/>
+                              </a:rPr>
+                              <m:t>𝑘</m:t>
+                            </m:r>
+                          </m:sub>
+                        </m:sSub>
+                      </m:sub>
+                    </m:sSub>
+                  </m:oMath>
+                </a14:m>
+                <a:r>
+                  <a:rPr lang="en-GB" dirty="0"/>
+                  <a:t> is standard deviation, </a:t>
+                </a:r>
+                <a14:m>
+                  <m:oMath xmlns:m="http://schemas.openxmlformats.org/officeDocument/2006/math">
+                    <m:sSub>
+                      <m:sSubPr>
+                        <m:ctrlPr>
+                          <a:rPr lang="en-GB" i="1">
+                            <a:latin typeface="Cambria Math" panose="02040503050406030204" pitchFamily="18" charset="0"/>
+                          </a:rPr>
+                        </m:ctrlPr>
+                      </m:sSubPr>
+                      <m:e>
+                        <m:r>
+                          <m:rPr>
+                            <m:sty m:val="p"/>
+                          </m:rPr>
+                          <a:rPr lang="el-GR" i="1">
+                            <a:latin typeface="Cambria Math" panose="02040503050406030204" pitchFamily="18" charset="0"/>
+                          </a:rPr>
+                          <m:t>σ</m:t>
+                        </m:r>
+                      </m:e>
+                      <m:sub>
+                        <m:r>
+                          <a:rPr lang="en-GB" b="0" i="1" smtClean="0">
+                            <a:latin typeface="Cambria Math" panose="02040503050406030204" pitchFamily="18" charset="0"/>
+                          </a:rPr>
+                          <m:t>𝑚𝑎𝑥</m:t>
+                        </m:r>
+                      </m:sub>
+                    </m:sSub>
+                  </m:oMath>
+                </a14:m>
+                <a:r>
+                  <a:rPr lang="en-GB" dirty="0"/>
+                  <a:t> is estimate of max value of </a:t>
+                </a:r>
+                <a14:m>
+                  <m:oMath xmlns:m="http://schemas.openxmlformats.org/officeDocument/2006/math">
+                    <m:sSub>
+                      <m:sSubPr>
+                        <m:ctrlPr>
+                          <a:rPr lang="en-GB" i="1">
+                            <a:latin typeface="Cambria Math" panose="02040503050406030204" pitchFamily="18" charset="0"/>
+                          </a:rPr>
+                        </m:ctrlPr>
+                      </m:sSubPr>
+                      <m:e>
+                        <m:r>
+                          <m:rPr>
+                            <m:sty m:val="p"/>
+                          </m:rPr>
+                          <a:rPr lang="el-GR" i="1">
+                            <a:latin typeface="Cambria Math" panose="02040503050406030204" pitchFamily="18" charset="0"/>
+                          </a:rPr>
+                          <m:t>σ</m:t>
+                        </m:r>
+                      </m:e>
+                      <m:sub>
+                        <m:sSub>
+                          <m:sSubPr>
+                            <m:ctrlPr>
+                              <a:rPr lang="en-GB" i="1">
+                                <a:latin typeface="Cambria Math" panose="02040503050406030204" pitchFamily="18" charset="0"/>
+                              </a:rPr>
+                            </m:ctrlPr>
+                          </m:sSubPr>
+                          <m:e>
+                            <m:r>
+                              <a:rPr lang="en-GB" i="1">
+                                <a:latin typeface="Cambria Math" panose="02040503050406030204" pitchFamily="18" charset="0"/>
+                              </a:rPr>
+                              <m:t>𝑡</m:t>
+                            </m:r>
+                          </m:e>
+                          <m:sub>
+                            <m:r>
+                              <a:rPr lang="en-GB" i="1">
+                                <a:latin typeface="Cambria Math" panose="02040503050406030204" pitchFamily="18" charset="0"/>
+                              </a:rPr>
+                              <m:t>𝑘</m:t>
+                            </m:r>
+                          </m:sub>
+                        </m:sSub>
+                      </m:sub>
+                    </m:sSub>
+                  </m:oMath>
+                </a14:m>
+                <a:r>
+                  <a:rPr lang="en-GB" dirty="0"/>
+                  <a:t>, </a:t>
+                </a:r>
+                <a14:m>
+                  <m:oMath xmlns:m="http://schemas.openxmlformats.org/officeDocument/2006/math">
+                    <m:sSub>
+                      <m:sSubPr>
+                        <m:ctrlPr>
+                          <a:rPr lang="en-GB" i="1">
+                            <a:latin typeface="Cambria Math" panose="02040503050406030204" pitchFamily="18" charset="0"/>
+                          </a:rPr>
+                        </m:ctrlPr>
+                      </m:sSubPr>
+                      <m:e>
+                        <m:r>
+                          <a:rPr lang="en-GB" i="1">
+                            <a:latin typeface="Cambria Math" panose="02040503050406030204" pitchFamily="18" charset="0"/>
+                          </a:rPr>
+                          <m:t>𝑡</m:t>
+                        </m:r>
+                      </m:e>
+                      <m:sub>
+                        <m:r>
+                          <a:rPr lang="en-GB" i="1">
+                            <a:latin typeface="Cambria Math" panose="02040503050406030204" pitchFamily="18" charset="0"/>
+                          </a:rPr>
+                          <m:t>𝑚𝑖𝑛</m:t>
+                        </m:r>
+                      </m:sub>
+                    </m:sSub>
+                  </m:oMath>
+                </a14:m>
+                <a:r>
+                  <a:rPr lang="en-GB" dirty="0"/>
+                  <a:t> is minimum of steps required to kill player</a:t>
+                </a:r>
+              </a:p>
+            </p:txBody>
+          </p:sp>
+        </mc:Choice>
+        <mc:Fallback>
+          <p:sp>
+            <p:nvSpPr>
+              <p:cNvPr id="3" name="Content Placeholder 2">
+                <a:extLst>
+                  <a:ext uri="{FF2B5EF4-FFF2-40B4-BE49-F238E27FC236}">
+                    <a16:creationId xmlns:a16="http://schemas.microsoft.com/office/drawing/2014/main" id="{4C80E883-BABB-E3D3-ED32-653F574869B1}"/>
+                  </a:ext>
+                </a:extLst>
+              </p:cNvPr>
+              <p:cNvSpPr>
+                <a:spLocks noGrp="1" noRot="1" noChangeAspect="1" noMove="1" noResize="1" noEditPoints="1" noAdjustHandles="1" noChangeArrowheads="1" noChangeShapeType="1" noTextEdit="1"/>
+              </p:cNvSpPr>
+              <p:nvPr>
+                <p:ph idx="1"/>
+              </p:nvPr>
+            </p:nvSpPr>
+            <p:spPr>
+              <a:blipFill>
+                <a:blip r:embed="rId2"/>
+                <a:stretch>
+                  <a:fillRect l="-406" t="-1261" r="-464" b="-2241"/>
+                </a:stretch>
+              </a:blipFill>
+            </p:spPr>
+            <p:txBody>
+              <a:bodyPr/>
+              <a:lstStyle/>
+              <a:p>
+                <a:r>
+                  <a:rPr lang="en-GB">
+                    <a:noFill/>
+                  </a:rPr>
+                  <a:t> </a:t>
+                </a:r>
+              </a:p>
+            </p:txBody>
+          </p:sp>
+        </mc:Fallback>
+      </mc:AlternateContent>
       <p:sp>
         <p:nvSpPr>
           <p:cNvPr id="4" name="Slide Number Placeholder 3">
             <a:extLst>
               <a:ext uri="{FF2B5EF4-FFF2-40B4-BE49-F238E27FC236}">
-                <a16:creationId xmlns:a16="http://schemas.microsoft.com/office/drawing/2014/main" id="{E8BE6535-9C84-8DCE-1404-3178515657E4}"/>
+                <a16:creationId xmlns:a16="http://schemas.microsoft.com/office/drawing/2014/main" id="{DD5D96B0-C9BF-5D53-77E4-49F368CF1D4D}"/>
               </a:ext>
             </a:extLst>
           </p:cNvPr>
@@ -4341,7 +6638,7 @@
     </p:spTree>
     <p:extLst>
       <p:ext uri="{BB962C8B-B14F-4D97-AF65-F5344CB8AC3E}">
-        <p14:creationId xmlns:p14="http://schemas.microsoft.com/office/powerpoint/2010/main" val="1760301963"/>
+        <p14:creationId xmlns:p14="http://schemas.microsoft.com/office/powerpoint/2010/main" val="24451168"/>
       </p:ext>
     </p:extLst>
   </p:cSld>
@@ -4352,6 +6649,684 @@
 </file>
 
 <file path=ppt/slides/slide8.xml><?xml version="1.0" encoding="utf-8"?>
+<p:sld xmlns:a="http://schemas.openxmlformats.org/drawingml/2006/main" xmlns:r="http://schemas.openxmlformats.org/officeDocument/2006/relationships" xmlns:p="http://schemas.openxmlformats.org/presentationml/2006/main">
+  <p:cSld>
+    <p:spTree>
+      <p:nvGrpSpPr>
+        <p:cNvPr id="1" name="">
+          <a:extLst>
+            <a:ext uri="{FF2B5EF4-FFF2-40B4-BE49-F238E27FC236}">
+              <a16:creationId xmlns:a16="http://schemas.microsoft.com/office/drawing/2014/main" id="{4636ABA9-B814-FD3A-F05A-EC6C1848C568}"/>
+            </a:ext>
+          </a:extLst>
+        </p:cNvPr>
+        <p:cNvGrpSpPr/>
+        <p:nvPr/>
+      </p:nvGrpSpPr>
+      <p:grpSpPr>
+        <a:xfrm>
+          <a:off x="0" y="0"/>
+          <a:ext cx="0" cy="0"/>
+          <a:chOff x="0" y="0"/>
+          <a:chExt cx="0" cy="0"/>
+        </a:xfrm>
+      </p:grpSpPr>
+      <p:sp>
+        <p:nvSpPr>
+          <p:cNvPr id="2" name="Title 1">
+            <a:extLst>
+              <a:ext uri="{FF2B5EF4-FFF2-40B4-BE49-F238E27FC236}">
+                <a16:creationId xmlns:a16="http://schemas.microsoft.com/office/drawing/2014/main" id="{7A443CBD-CD18-7011-7C4F-B566AD7D0A5B}"/>
+              </a:ext>
+            </a:extLst>
+          </p:cNvPr>
+          <p:cNvSpPr>
+            <a:spLocks noGrp="1"/>
+          </p:cNvSpPr>
+          <p:nvPr>
+            <p:ph type="title"/>
+          </p:nvPr>
+        </p:nvSpPr>
+        <p:spPr/>
+        <p:txBody>
+          <a:bodyPr>
+            <a:noAutofit/>
+          </a:bodyPr>
+          <a:lstStyle/>
+          <a:p>
+            <a:r>
+              <a:rPr lang="en-GB" sz="3200" dirty="0"/>
+              <a:t>AI in Computer Games: Generating Interesting</a:t>
+            </a:r>
+            <a:r>
+              <a:rPr lang="sk-SK" sz="3200" dirty="0"/>
+              <a:t> </a:t>
+            </a:r>
+            <a:r>
+              <a:rPr lang="en-GB" sz="3200" dirty="0"/>
+              <a:t>Interactive Opponents by the use of</a:t>
+            </a:r>
+            <a:r>
+              <a:rPr lang="sk-SK" sz="3200" dirty="0"/>
+              <a:t> </a:t>
+            </a:r>
+            <a:r>
+              <a:rPr lang="en-GB" sz="3200" dirty="0"/>
+              <a:t>Evolutionary Computation</a:t>
+            </a:r>
+          </a:p>
+        </p:txBody>
+      </p:sp>
+      <mc:AlternateContent xmlns:mc="http://schemas.openxmlformats.org/markup-compatibility/2006">
+        <mc:Choice xmlns:a14="http://schemas.microsoft.com/office/drawing/2010/main" Requires="a14">
+          <p:sp>
+            <p:nvSpPr>
+              <p:cNvPr id="3" name="Content Placeholder 2">
+                <a:extLst>
+                  <a:ext uri="{FF2B5EF4-FFF2-40B4-BE49-F238E27FC236}">
+                    <a16:creationId xmlns:a16="http://schemas.microsoft.com/office/drawing/2014/main" id="{F6092ED2-8C6C-DE59-B6CD-6221B09EE765}"/>
+                  </a:ext>
+                </a:extLst>
+              </p:cNvPr>
+              <p:cNvSpPr>
+                <a:spLocks noGrp="1"/>
+              </p:cNvSpPr>
+              <p:nvPr>
+                <p:ph idx="1"/>
+              </p:nvPr>
+            </p:nvSpPr>
+            <p:spPr/>
+            <p:txBody>
+              <a:bodyPr>
+                <a:normAutofit/>
+              </a:bodyPr>
+              <a:lstStyle/>
+              <a:p>
+                <a:r>
+                  <a:rPr lang="sk-SK" sz="1800" dirty="0"/>
+                  <a:t>Provides interesting metric calculations for </a:t>
+                </a:r>
+                <a:endParaRPr lang="en-GB" sz="1800" dirty="0"/>
+              </a:p>
+              <a:p>
+                <a:pPr lvl="1"/>
+                <a:r>
+                  <a:rPr lang="en-GB" sz="1800" dirty="0"/>
+                  <a:t>S</a:t>
+                </a:r>
+                <a:r>
+                  <a:rPr lang="sk-SK" sz="1800" dirty="0"/>
+                  <a:t>patial diversity</a:t>
+                </a:r>
+                <a:endParaRPr lang="en-GB" sz="1800" dirty="0"/>
+              </a:p>
+              <a:p>
+                <a:pPr lvl="2"/>
+                <a:r>
+                  <a:rPr lang="en-GB" sz="1600" dirty="0"/>
+                  <a:t>Entropy of predator visits across regions of the game world</a:t>
+                </a:r>
+                <a:endParaRPr lang="en-GB" sz="1800" baseline="-25000" dirty="0"/>
+              </a:p>
+              <a:p>
+                <a:pPr lvl="2"/>
+                <a14:m>
+                  <m:oMath xmlns:m="http://schemas.openxmlformats.org/officeDocument/2006/math">
+                    <m:sSub>
+                      <m:sSubPr>
+                        <m:ctrlPr>
+                          <a:rPr lang="en-GB" sz="1800" i="1" smtClean="0">
+                            <a:latin typeface="Cambria Math" panose="02040503050406030204" pitchFamily="18" charset="0"/>
+                          </a:rPr>
+                        </m:ctrlPr>
+                      </m:sSubPr>
+                      <m:e>
+                        <m:r>
+                          <a:rPr lang="en-GB" sz="1800" b="0" i="1" smtClean="0">
+                            <a:latin typeface="Cambria Math" panose="02040503050406030204" pitchFamily="18" charset="0"/>
+                          </a:rPr>
+                          <m:t>𝐻</m:t>
+                        </m:r>
+                      </m:e>
+                      <m:sub>
+                        <m:r>
+                          <a:rPr lang="en-GB" sz="1800" b="0" i="1" smtClean="0">
+                            <a:latin typeface="Cambria Math" panose="02040503050406030204" pitchFamily="18" charset="0"/>
+                          </a:rPr>
+                          <m:t>𝑛</m:t>
+                        </m:r>
+                      </m:sub>
+                    </m:sSub>
+                    <m:r>
+                      <a:rPr lang="en-GB" sz="1800" b="0" i="1" smtClean="0">
+                        <a:latin typeface="Cambria Math" panose="02040503050406030204" pitchFamily="18" charset="0"/>
+                      </a:rPr>
+                      <m:t>= </m:t>
+                    </m:r>
+                    <m:sSup>
+                      <m:sSupPr>
+                        <m:ctrlPr>
+                          <a:rPr lang="en-GB" sz="1800" b="0" i="1" smtClean="0">
+                            <a:latin typeface="Cambria Math" panose="02040503050406030204" pitchFamily="18" charset="0"/>
+                          </a:rPr>
+                        </m:ctrlPr>
+                      </m:sSupPr>
+                      <m:e>
+                        <m:d>
+                          <m:dPr>
+                            <m:begChr m:val="["/>
+                            <m:endChr m:val="]"/>
+                            <m:ctrlPr>
+                              <a:rPr lang="en-GB" sz="1800" b="0" i="1" smtClean="0">
+                                <a:latin typeface="Cambria Math" panose="02040503050406030204" pitchFamily="18" charset="0"/>
+                              </a:rPr>
+                            </m:ctrlPr>
+                          </m:dPr>
+                          <m:e>
+                            <m:r>
+                              <a:rPr lang="en-GB" sz="1800" b="0" i="1" smtClean="0">
+                                <a:latin typeface="Cambria Math" panose="02040503050406030204" pitchFamily="18" charset="0"/>
+                              </a:rPr>
+                              <m:t>−</m:t>
+                            </m:r>
+                            <m:f>
+                              <m:fPr>
+                                <m:ctrlPr>
+                                  <a:rPr lang="en-GB" sz="1800" b="0" i="1" smtClean="0">
+                                    <a:latin typeface="Cambria Math" panose="02040503050406030204" pitchFamily="18" charset="0"/>
+                                  </a:rPr>
+                                </m:ctrlPr>
+                              </m:fPr>
+                              <m:num>
+                                <m:r>
+                                  <a:rPr lang="en-GB" sz="1800" b="0" i="1" smtClean="0">
+                                    <a:latin typeface="Cambria Math" panose="02040503050406030204" pitchFamily="18" charset="0"/>
+                                  </a:rPr>
+                                  <m:t>1</m:t>
+                                </m:r>
+                              </m:num>
+                              <m:den>
+                                <m:func>
+                                  <m:funcPr>
+                                    <m:ctrlPr>
+                                      <a:rPr lang="en-GB" sz="1800" b="0" i="1" smtClean="0">
+                                        <a:latin typeface="Cambria Math" panose="02040503050406030204" pitchFamily="18" charset="0"/>
+                                      </a:rPr>
+                                    </m:ctrlPr>
+                                  </m:funcPr>
+                                  <m:fName>
+                                    <m:r>
+                                      <m:rPr>
+                                        <m:sty m:val="p"/>
+                                      </m:rPr>
+                                      <a:rPr lang="en-GB" sz="1800" b="0" i="0" smtClean="0">
+                                        <a:latin typeface="Cambria Math" panose="02040503050406030204" pitchFamily="18" charset="0"/>
+                                      </a:rPr>
+                                      <m:t>log</m:t>
+                                    </m:r>
+                                  </m:fName>
+                                  <m:e>
+                                    <m:sSub>
+                                      <m:sSubPr>
+                                        <m:ctrlPr>
+                                          <a:rPr lang="en-GB" sz="1800" i="1">
+                                            <a:latin typeface="Cambria Math" panose="02040503050406030204" pitchFamily="18" charset="0"/>
+                                          </a:rPr>
+                                        </m:ctrlPr>
+                                      </m:sSubPr>
+                                      <m:e>
+                                        <m:r>
+                                          <a:rPr lang="en-GB" sz="1800" i="1">
+                                            <a:latin typeface="Cambria Math" panose="02040503050406030204" pitchFamily="18" charset="0"/>
+                                          </a:rPr>
+                                          <m:t>𝑉</m:t>
+                                        </m:r>
+                                      </m:e>
+                                      <m:sub>
+                                        <m:r>
+                                          <a:rPr lang="en-GB" sz="1800" i="1">
+                                            <a:latin typeface="Cambria Math" panose="02040503050406030204" pitchFamily="18" charset="0"/>
+                                          </a:rPr>
+                                          <m:t>𝑛</m:t>
+                                        </m:r>
+                                      </m:sub>
+                                    </m:sSub>
+                                  </m:e>
+                                </m:func>
+                              </m:den>
+                            </m:f>
+                            <m:nary>
+                              <m:naryPr>
+                                <m:chr m:val="∑"/>
+                                <m:supHide m:val="on"/>
+                                <m:ctrlPr>
+                                  <a:rPr lang="en-GB" sz="1800" b="0" i="1" smtClean="0">
+                                    <a:latin typeface="Cambria Math" panose="02040503050406030204" pitchFamily="18" charset="0"/>
+                                  </a:rPr>
+                                </m:ctrlPr>
+                              </m:naryPr>
+                              <m:sub>
+                                <m:r>
+                                  <m:rPr>
+                                    <m:brk m:alnAt="7"/>
+                                  </m:rPr>
+                                  <a:rPr lang="en-GB" sz="1800" b="0" i="1" smtClean="0">
+                                    <a:latin typeface="Cambria Math" panose="02040503050406030204" pitchFamily="18" charset="0"/>
+                                  </a:rPr>
+                                  <m:t>𝑖</m:t>
+                                </m:r>
+                              </m:sub>
+                              <m:sup/>
+                              <m:e>
+                                <m:f>
+                                  <m:fPr>
+                                    <m:ctrlPr>
+                                      <a:rPr lang="en-GB" sz="1800" b="0" i="1" smtClean="0">
+                                        <a:latin typeface="Cambria Math" panose="02040503050406030204" pitchFamily="18" charset="0"/>
+                                      </a:rPr>
+                                    </m:ctrlPr>
+                                  </m:fPr>
+                                  <m:num>
+                                    <m:sSub>
+                                      <m:sSubPr>
+                                        <m:ctrlPr>
+                                          <a:rPr lang="en-GB" sz="1800" b="0" i="1" smtClean="0">
+                                            <a:latin typeface="Cambria Math" panose="02040503050406030204" pitchFamily="18" charset="0"/>
+                                          </a:rPr>
+                                        </m:ctrlPr>
+                                      </m:sSubPr>
+                                      <m:e>
+                                        <m:r>
+                                          <a:rPr lang="en-GB" sz="1800" b="0" i="1" smtClean="0">
+                                            <a:latin typeface="Cambria Math" panose="02040503050406030204" pitchFamily="18" charset="0"/>
+                                          </a:rPr>
+                                          <m:t>𝑣</m:t>
+                                        </m:r>
+                                      </m:e>
+                                      <m:sub>
+                                        <m:r>
+                                          <a:rPr lang="en-GB" sz="1800" b="0" i="1" smtClean="0">
+                                            <a:latin typeface="Cambria Math" panose="02040503050406030204" pitchFamily="18" charset="0"/>
+                                          </a:rPr>
+                                          <m:t>𝑖𝑛</m:t>
+                                        </m:r>
+                                      </m:sub>
+                                    </m:sSub>
+                                  </m:num>
+                                  <m:den>
+                                    <m:sSub>
+                                      <m:sSubPr>
+                                        <m:ctrlPr>
+                                          <a:rPr lang="en-GB" sz="1800" b="0" i="1" smtClean="0">
+                                            <a:latin typeface="Cambria Math" panose="02040503050406030204" pitchFamily="18" charset="0"/>
+                                          </a:rPr>
+                                        </m:ctrlPr>
+                                      </m:sSubPr>
+                                      <m:e>
+                                        <m:r>
+                                          <a:rPr lang="en-GB" sz="1800" b="0" i="1" smtClean="0">
+                                            <a:latin typeface="Cambria Math" panose="02040503050406030204" pitchFamily="18" charset="0"/>
+                                          </a:rPr>
+                                          <m:t>𝑉</m:t>
+                                        </m:r>
+                                      </m:e>
+                                      <m:sub>
+                                        <m:r>
+                                          <a:rPr lang="en-GB" sz="1800" b="0" i="1" smtClean="0">
+                                            <a:latin typeface="Cambria Math" panose="02040503050406030204" pitchFamily="18" charset="0"/>
+                                          </a:rPr>
+                                          <m:t>𝑛</m:t>
+                                        </m:r>
+                                      </m:sub>
+                                    </m:sSub>
+                                  </m:den>
+                                </m:f>
+                                <m:func>
+                                  <m:funcPr>
+                                    <m:ctrlPr>
+                                      <a:rPr lang="en-GB" sz="1800" b="0" i="1" smtClean="0">
+                                        <a:latin typeface="Cambria Math" panose="02040503050406030204" pitchFamily="18" charset="0"/>
+                                      </a:rPr>
+                                    </m:ctrlPr>
+                                  </m:funcPr>
+                                  <m:fName>
+                                    <m:r>
+                                      <m:rPr>
+                                        <m:sty m:val="p"/>
+                                      </m:rPr>
+                                      <a:rPr lang="en-GB" sz="1800" b="0" i="0" smtClean="0">
+                                        <a:latin typeface="Cambria Math" panose="02040503050406030204" pitchFamily="18" charset="0"/>
+                                      </a:rPr>
+                                      <m:t>log</m:t>
+                                    </m:r>
+                                  </m:fName>
+                                  <m:e>
+                                    <m:d>
+                                      <m:dPr>
+                                        <m:ctrlPr>
+                                          <a:rPr lang="en-GB" sz="1800" b="0" i="1" smtClean="0">
+                                            <a:latin typeface="Cambria Math" panose="02040503050406030204" pitchFamily="18" charset="0"/>
+                                          </a:rPr>
+                                        </m:ctrlPr>
+                                      </m:dPr>
+                                      <m:e>
+                                        <m:f>
+                                          <m:fPr>
+                                            <m:ctrlPr>
+                                              <a:rPr lang="en-GB" sz="1800" b="0" i="1" smtClean="0">
+                                                <a:latin typeface="Cambria Math" panose="02040503050406030204" pitchFamily="18" charset="0"/>
+                                              </a:rPr>
+                                            </m:ctrlPr>
+                                          </m:fPr>
+                                          <m:num>
+                                            <m:sSub>
+                                              <m:sSubPr>
+                                                <m:ctrlPr>
+                                                  <a:rPr lang="en-GB" sz="1800" b="0" i="1" smtClean="0">
+                                                    <a:latin typeface="Cambria Math" panose="02040503050406030204" pitchFamily="18" charset="0"/>
+                                                  </a:rPr>
+                                                </m:ctrlPr>
+                                              </m:sSubPr>
+                                              <m:e>
+                                                <m:r>
+                                                  <a:rPr lang="en-GB" sz="1800" b="0" i="1" smtClean="0">
+                                                    <a:latin typeface="Cambria Math" panose="02040503050406030204" pitchFamily="18" charset="0"/>
+                                                  </a:rPr>
+                                                  <m:t>𝑣</m:t>
+                                                </m:r>
+                                              </m:e>
+                                              <m:sub>
+                                                <m:r>
+                                                  <a:rPr lang="en-GB" sz="1800" b="0" i="1" smtClean="0">
+                                                    <a:latin typeface="Cambria Math" panose="02040503050406030204" pitchFamily="18" charset="0"/>
+                                                  </a:rPr>
+                                                  <m:t>𝑖𝑛</m:t>
+                                                </m:r>
+                                              </m:sub>
+                                            </m:sSub>
+                                          </m:num>
+                                          <m:den>
+                                            <m:sSub>
+                                              <m:sSubPr>
+                                                <m:ctrlPr>
+                                                  <a:rPr lang="en-GB" sz="1800" b="0" i="1" smtClean="0">
+                                                    <a:latin typeface="Cambria Math" panose="02040503050406030204" pitchFamily="18" charset="0"/>
+                                                  </a:rPr>
+                                                </m:ctrlPr>
+                                              </m:sSubPr>
+                                              <m:e>
+                                                <m:r>
+                                                  <a:rPr lang="en-GB" sz="1800" b="0" i="1" smtClean="0">
+                                                    <a:latin typeface="Cambria Math" panose="02040503050406030204" pitchFamily="18" charset="0"/>
+                                                  </a:rPr>
+                                                  <m:t>𝑉</m:t>
+                                                </m:r>
+                                              </m:e>
+                                              <m:sub>
+                                                <m:r>
+                                                  <a:rPr lang="en-GB" sz="1800" b="0" i="1" smtClean="0">
+                                                    <a:latin typeface="Cambria Math" panose="02040503050406030204" pitchFamily="18" charset="0"/>
+                                                  </a:rPr>
+                                                  <m:t>𝑛</m:t>
+                                                </m:r>
+                                              </m:sub>
+                                            </m:sSub>
+                                          </m:den>
+                                        </m:f>
+                                      </m:e>
+                                    </m:d>
+                                  </m:e>
+                                </m:func>
+                              </m:e>
+                            </m:nary>
+                          </m:e>
+                        </m:d>
+                      </m:e>
+                      <m:sup>
+                        <m:sSub>
+                          <m:sSubPr>
+                            <m:ctrlPr>
+                              <a:rPr lang="en-GB" sz="1800" b="0" i="1" smtClean="0">
+                                <a:latin typeface="Cambria Math" panose="02040503050406030204" pitchFamily="18" charset="0"/>
+                              </a:rPr>
+                            </m:ctrlPr>
+                          </m:sSubPr>
+                          <m:e>
+                            <m:r>
+                              <a:rPr lang="en-GB" sz="1800" b="0" i="1" smtClean="0">
+                                <a:latin typeface="Cambria Math" panose="02040503050406030204" pitchFamily="18" charset="0"/>
+                              </a:rPr>
+                              <m:t>𝑝</m:t>
+                            </m:r>
+                          </m:e>
+                          <m:sub>
+                            <m:r>
+                              <a:rPr lang="en-GB" sz="1800" b="0" i="1" smtClean="0">
+                                <a:latin typeface="Cambria Math" panose="02040503050406030204" pitchFamily="18" charset="0"/>
+                              </a:rPr>
+                              <m:t>3</m:t>
+                            </m:r>
+                          </m:sub>
+                        </m:sSub>
+                      </m:sup>
+                    </m:sSup>
+                  </m:oMath>
+                </a14:m>
+                <a:endParaRPr lang="en-GB" sz="1800" dirty="0"/>
+              </a:p>
+              <a:p>
+                <a:pPr lvl="3"/>
+                <a:r>
+                  <a:rPr lang="en-GB" dirty="0"/>
+                  <a:t>Where </a:t>
+                </a:r>
+                <a14:m>
+                  <m:oMath xmlns:m="http://schemas.openxmlformats.org/officeDocument/2006/math">
+                    <m:sSub>
+                      <m:sSubPr>
+                        <m:ctrlPr>
+                          <a:rPr lang="en-GB" i="1" smtClean="0">
+                            <a:latin typeface="Cambria Math" panose="02040503050406030204" pitchFamily="18" charset="0"/>
+                          </a:rPr>
+                        </m:ctrlPr>
+                      </m:sSubPr>
+                      <m:e>
+                        <m:r>
+                          <a:rPr lang="en-GB" i="1">
+                            <a:latin typeface="Cambria Math" panose="02040503050406030204" pitchFamily="18" charset="0"/>
+                          </a:rPr>
+                          <m:t>𝑉</m:t>
+                        </m:r>
+                      </m:e>
+                      <m:sub>
+                        <m:r>
+                          <a:rPr lang="en-GB" i="1">
+                            <a:latin typeface="Cambria Math" panose="02040503050406030204" pitchFamily="18" charset="0"/>
+                          </a:rPr>
+                          <m:t>𝑛</m:t>
+                        </m:r>
+                      </m:sub>
+                    </m:sSub>
+                  </m:oMath>
+                </a14:m>
+                <a:r>
+                  <a:rPr lang="en-GB" dirty="0"/>
+                  <a:t> is total number of visited cells (regions),  </a:t>
+                </a:r>
+                <a14:m>
+                  <m:oMath xmlns:m="http://schemas.openxmlformats.org/officeDocument/2006/math">
+                    <m:sSub>
+                      <m:sSubPr>
+                        <m:ctrlPr>
+                          <a:rPr lang="en-GB" i="1" smtClean="0">
+                            <a:latin typeface="Cambria Math" panose="02040503050406030204" pitchFamily="18" charset="0"/>
+                          </a:rPr>
+                        </m:ctrlPr>
+                      </m:sSubPr>
+                      <m:e>
+                        <m:r>
+                          <a:rPr lang="en-GB" b="0" i="1" smtClean="0">
+                            <a:latin typeface="Cambria Math" panose="02040503050406030204" pitchFamily="18" charset="0"/>
+                          </a:rPr>
+                          <m:t>𝑉</m:t>
+                        </m:r>
+                      </m:e>
+                      <m:sub>
+                        <m:r>
+                          <a:rPr lang="en-GB" b="0" i="1" smtClean="0">
+                            <a:latin typeface="Cambria Math" panose="02040503050406030204" pitchFamily="18" charset="0"/>
+                          </a:rPr>
+                          <m:t>𝑛</m:t>
+                        </m:r>
+                      </m:sub>
+                    </m:sSub>
+                    <m:r>
+                      <a:rPr lang="en-GB" b="0" i="1" smtClean="0">
+                        <a:latin typeface="Cambria Math" panose="02040503050406030204" pitchFamily="18" charset="0"/>
+                      </a:rPr>
+                      <m:t>= </m:t>
+                    </m:r>
+                    <m:nary>
+                      <m:naryPr>
+                        <m:chr m:val="∑"/>
+                        <m:limLoc m:val="subSup"/>
+                        <m:supHide m:val="on"/>
+                        <m:ctrlPr>
+                          <a:rPr lang="en-GB" b="0" i="1" smtClean="0">
+                            <a:latin typeface="Cambria Math" panose="02040503050406030204" pitchFamily="18" charset="0"/>
+                          </a:rPr>
+                        </m:ctrlPr>
+                      </m:naryPr>
+                      <m:sub>
+                        <m:r>
+                          <m:rPr>
+                            <m:brk m:alnAt="9"/>
+                          </m:rPr>
+                          <a:rPr lang="en-GB" b="0" i="1" smtClean="0">
+                            <a:latin typeface="Cambria Math" panose="02040503050406030204" pitchFamily="18" charset="0"/>
+                          </a:rPr>
+                          <m:t>𝑖</m:t>
+                        </m:r>
+                      </m:sub>
+                      <m:sup/>
+                      <m:e>
+                        <m:sSub>
+                          <m:sSubPr>
+                            <m:ctrlPr>
+                              <a:rPr lang="en-GB" b="0" i="1" smtClean="0">
+                                <a:latin typeface="Cambria Math" panose="02040503050406030204" pitchFamily="18" charset="0"/>
+                              </a:rPr>
+                            </m:ctrlPr>
+                          </m:sSubPr>
+                          <m:e>
+                            <m:r>
+                              <a:rPr lang="en-GB" b="0" i="1" smtClean="0">
+                                <a:latin typeface="Cambria Math" panose="02040503050406030204" pitchFamily="18" charset="0"/>
+                              </a:rPr>
+                              <m:t>𝑣</m:t>
+                            </m:r>
+                          </m:e>
+                          <m:sub>
+                            <m:r>
+                              <a:rPr lang="en-GB" b="0" i="1" smtClean="0">
+                                <a:latin typeface="Cambria Math" panose="02040503050406030204" pitchFamily="18" charset="0"/>
+                              </a:rPr>
+                              <m:t>𝑖𝑛</m:t>
+                            </m:r>
+                          </m:sub>
+                        </m:sSub>
+                      </m:e>
+                    </m:nary>
+                  </m:oMath>
+                </a14:m>
+                <a:endParaRPr lang="en-GB" dirty="0"/>
+              </a:p>
+            </p:txBody>
+          </p:sp>
+        </mc:Choice>
+        <mc:Fallback>
+          <p:sp>
+            <p:nvSpPr>
+              <p:cNvPr id="3" name="Content Placeholder 2">
+                <a:extLst>
+                  <a:ext uri="{FF2B5EF4-FFF2-40B4-BE49-F238E27FC236}">
+                    <a16:creationId xmlns:a16="http://schemas.microsoft.com/office/drawing/2014/main" id="{F6092ED2-8C6C-DE59-B6CD-6221B09EE765}"/>
+                  </a:ext>
+                </a:extLst>
+              </p:cNvPr>
+              <p:cNvSpPr>
+                <a:spLocks noGrp="1" noRot="1" noChangeAspect="1" noMove="1" noResize="1" noEditPoints="1" noAdjustHandles="1" noChangeArrowheads="1" noChangeShapeType="1" noTextEdit="1"/>
+              </p:cNvSpPr>
+              <p:nvPr>
+                <p:ph idx="1"/>
+              </p:nvPr>
+            </p:nvSpPr>
+            <p:spPr>
+              <a:blipFill>
+                <a:blip r:embed="rId2"/>
+                <a:stretch>
+                  <a:fillRect l="-406" t="-1261"/>
+                </a:stretch>
+              </a:blipFill>
+            </p:spPr>
+            <p:txBody>
+              <a:bodyPr/>
+              <a:lstStyle/>
+              <a:p>
+                <a:r>
+                  <a:rPr lang="en-GB">
+                    <a:noFill/>
+                  </a:rPr>
+                  <a:t> </a:t>
+                </a:r>
+              </a:p>
+            </p:txBody>
+          </p:sp>
+        </mc:Fallback>
+      </mc:AlternateContent>
+      <p:sp>
+        <p:nvSpPr>
+          <p:cNvPr id="4" name="Slide Number Placeholder 3">
+            <a:extLst>
+              <a:ext uri="{FF2B5EF4-FFF2-40B4-BE49-F238E27FC236}">
+                <a16:creationId xmlns:a16="http://schemas.microsoft.com/office/drawing/2014/main" id="{54AF4291-CD09-459E-13F8-2BB5A1E1D77C}"/>
+              </a:ext>
+            </a:extLst>
+          </p:cNvPr>
+          <p:cNvSpPr>
+            <a:spLocks noGrp="1"/>
+          </p:cNvSpPr>
+          <p:nvPr>
+            <p:ph type="sldNum" sz="quarter" idx="12"/>
+          </p:nvPr>
+        </p:nvSpPr>
+        <p:spPr/>
+        <p:txBody>
+          <a:bodyPr/>
+          <a:lstStyle/>
+          <a:p>
+            <a:fld id="{2A8C9C26-CCAF-4861-B76D-8E4A34D0C515}" type="slidenum">
+              <a:rPr lang="en-GB" smtClean="0"/>
+              <a:t>8</a:t>
+            </a:fld>
+            <a:endParaRPr lang="en-GB"/>
+          </a:p>
+        </p:txBody>
+      </p:sp>
+    </p:spTree>
+    <p:extLst>
+      <p:ext uri="{BB962C8B-B14F-4D97-AF65-F5344CB8AC3E}">
+        <p14:creationId xmlns:p14="http://schemas.microsoft.com/office/powerpoint/2010/main" val="4072789352"/>
+      </p:ext>
+    </p:extLst>
+  </p:cSld>
+  <p:clrMapOvr>
+    <a:masterClrMapping/>
+  </p:clrMapOvr>
+</p:sld>
+</file>
+
+<file path=ppt/slides/slide9.xml><?xml version="1.0" encoding="utf-8"?>
 <p:sld xmlns:a="http://schemas.openxmlformats.org/drawingml/2006/main" xmlns:r="http://schemas.openxmlformats.org/officeDocument/2006/relationships" xmlns:p="http://schemas.openxmlformats.org/presentationml/2006/main">
   <p:cSld>
     <p:spTree>
@@ -4399,10 +7374,10 @@
               <a:rPr lang="sk-SK" dirty="0"/>
               <a:t>Testing</a:t>
             </a:r>
-            <a:br>
-              <a:rPr lang="sk-SK" dirty="0"/>
-            </a:br>
-            <a:endParaRPr lang="en-GB" dirty="0"/>
+            <a:r>
+              <a:rPr lang="en-GB" dirty="0"/>
+              <a:t> of capabilities and limitations of engine</a:t>
+            </a:r>
           </a:p>
         </p:txBody>
       </p:sp>
@@ -4424,50 +7399,35 @@
         </p:nvSpPr>
         <p:spPr/>
         <p:txBody>
-          <a:bodyPr/>
-          <a:lstStyle/>
-          <a:p>
-            <a:r>
-              <a:rPr lang="sk-SK" dirty="0"/>
-              <a:t>Created custom management class</a:t>
-            </a:r>
-          </a:p>
-          <a:p>
-            <a:r>
-              <a:rPr lang="sk-SK" dirty="0"/>
-              <a:t>Created custom pawn class</a:t>
-            </a:r>
-          </a:p>
-          <a:p>
-            <a:r>
-              <a:rPr lang="sk-SK" dirty="0"/>
-              <a:t>Created custom behaviour tree node</a:t>
-            </a:r>
-          </a:p>
-          <a:p>
-            <a:r>
-              <a:rPr lang="sk-SK" dirty="0"/>
-              <a:t>Added code for spawning pawns</a:t>
-            </a:r>
-          </a:p>
-          <a:p>
-            <a:r>
-              <a:rPr lang="sk-SK" dirty="0"/>
-              <a:t>Added code for generating custom behaviour trees</a:t>
-            </a:r>
-          </a:p>
-          <a:p>
-            <a:r>
-              <a:rPr lang="sk-SK" dirty="0"/>
-              <a:t>Added simple fitness calculation</a:t>
-            </a:r>
-          </a:p>
-          <a:p>
-            <a:r>
-              <a:rPr lang="sk-SK" dirty="0"/>
-              <a:t>Tested different simulation speeds</a:t>
+          <a:bodyPr>
+            <a:normAutofit/>
+          </a:bodyPr>
+          <a:lstStyle/>
+          <a:p>
+            <a:r>
+              <a:rPr lang="en-GB" dirty="0"/>
+              <a:t>Since only few articles mentioned the use of Unreal Engine for our task, we wanted to be sure, that Unreal Engine is a valid choice</a:t>
+            </a:r>
+          </a:p>
+          <a:p>
+            <a:r>
+              <a:rPr lang="en-GB" dirty="0"/>
+              <a:t>The documentation did not provide satisfactory answers, so we decided to test required properties</a:t>
+            </a:r>
+          </a:p>
+          <a:p>
+            <a:r>
+              <a:rPr lang="en-GB" dirty="0"/>
+              <a:t>We were unsure whether it is possible to create Behaviour trees at runtime using C++, since some assets such as animation graphs can be created only </a:t>
+            </a:r>
+            <a:r>
+              <a:rPr lang="en-GB"/>
+              <a:t>using blueprints</a:t>
             </a:r>
             <a:endParaRPr lang="en-GB" dirty="0"/>
+          </a:p>
+          <a:p>
+            <a:endParaRPr lang="sk-SK" dirty="0"/>
           </a:p>
         </p:txBody>
       </p:sp>
@@ -4494,7 +7454,7 @@
           <a:p>
             <a:fld id="{2A8C9C26-CCAF-4861-B76D-8E4A34D0C515}" type="slidenum">
               <a:rPr lang="en-GB" smtClean="0"/>
-              <a:t>8</a:t>
+              <a:t>9</a:t>
             </a:fld>
             <a:endParaRPr lang="en-GB"/>
           </a:p>
